--- a/презентация.pptx
+++ b/презентация.pptx
@@ -12,8 +12,9 @@
     <p:sldId id="260" r:id="rId6"/>
     <p:sldId id="261" r:id="rId7"/>
     <p:sldId id="264" r:id="rId8"/>
-    <p:sldId id="262" r:id="rId9"/>
-    <p:sldId id="263" r:id="rId10"/>
+    <p:sldId id="263" r:id="rId9"/>
+    <p:sldId id="262" r:id="rId10"/>
+    <p:sldId id="265" r:id="rId11"/>
   </p:sldIdLst>
   <p:sldSz cx="12192000" cy="6858000"/>
   <p:notesSz cx="6858000" cy="9144000"/>
@@ -112,6 +113,11 @@
       </a:defRPr>
     </a:lvl9pPr>
   </p:defaultTextStyle>
+  <p:extLst>
+    <p:ext uri="{EFAFB233-063F-42B5-8137-9DF3F51BA10A}">
+      <p15:sldGuideLst xmlns:p15="http://schemas.microsoft.com/office/powerpoint/2012/main"/>
+    </p:ext>
+  </p:extLst>
 </p:presentation>
 </file>
 
@@ -716,7 +722,7 @@
           </a:lstStyle>
           <a:p>
             <a:r>
-              <a:rPr lang="bg-BG" smtClean="0"/>
+              <a:rPr lang="bg-BG"/>
               <a:t>Редакт. стил загл. образец</a:t>
             </a:r>
             <a:endParaRPr lang="en-US" dirty="0"/>
@@ -836,7 +842,7 @@
           </a:lstStyle>
           <a:p>
             <a:r>
-              <a:rPr lang="bg-BG" smtClean="0"/>
+              <a:rPr lang="bg-BG"/>
               <a:t>Щракнете, за да редактирате стила на подзаглавието в образеца</a:t>
             </a:r>
             <a:endParaRPr lang="en-US" dirty="0"/>
@@ -860,7 +866,7 @@
           <a:p>
             <a:fld id="{889234BB-D826-43C2-A67A-3323DBA97B93}" type="datetimeFigureOut">
               <a:rPr lang="en-US" smtClean="0"/>
-              <a:t>5/14/2021</a:t>
+              <a:t>5/26/2021</a:t>
             </a:fld>
             <a:endParaRPr lang="en-US"/>
           </a:p>
@@ -965,7 +971,7 @@
           </a:lstStyle>
           <a:p>
             <a:r>
-              <a:rPr lang="bg-BG" smtClean="0"/>
+              <a:rPr lang="bg-BG"/>
               <a:t>Редакт. стил загл. образец</a:t>
             </a:r>
             <a:endParaRPr lang="en-US" dirty="0"/>
@@ -1088,7 +1094,7 @@
           <a:p>
             <a:pPr lvl="0"/>
             <a:r>
-              <a:rPr lang="bg-BG" smtClean="0"/>
+              <a:rPr lang="bg-BG"/>
               <a:t>Редактиране на стиловете на текста в образеца</a:t>
             </a:r>
           </a:p>
@@ -1111,7 +1117,7 @@
           <a:p>
             <a:fld id="{889234BB-D826-43C2-A67A-3323DBA97B93}" type="datetimeFigureOut">
               <a:rPr lang="en-US" smtClean="0"/>
-              <a:t>5/14/2021</a:t>
+              <a:t>5/26/2021</a:t>
             </a:fld>
             <a:endParaRPr lang="en-US"/>
           </a:p>
@@ -1216,7 +1222,7 @@
           </a:lstStyle>
           <a:p>
             <a:r>
-              <a:rPr lang="bg-BG" smtClean="0"/>
+              <a:rPr lang="bg-BG"/>
               <a:t>Редакт. стил загл. образец</a:t>
             </a:r>
             <a:endParaRPr lang="en-US" dirty="0"/>
@@ -1280,7 +1286,7 @@
           <a:p>
             <a:pPr lvl="0"/>
             <a:r>
-              <a:rPr lang="bg-BG" smtClean="0"/>
+              <a:rPr lang="bg-BG"/>
               <a:t>Редактиране на стиловете на текста в образеца</a:t>
             </a:r>
           </a:p>
@@ -1402,7 +1408,7 @@
           <a:p>
             <a:pPr lvl="0"/>
             <a:r>
-              <a:rPr lang="bg-BG" smtClean="0"/>
+              <a:rPr lang="bg-BG"/>
               <a:t>Редактиране на стиловете на текста в образеца</a:t>
             </a:r>
           </a:p>
@@ -1425,7 +1431,7 @@
           <a:p>
             <a:fld id="{889234BB-D826-43C2-A67A-3323DBA97B93}" type="datetimeFigureOut">
               <a:rPr lang="en-US" smtClean="0"/>
-              <a:t>5/14/2021</a:t>
+              <a:t>5/26/2021</a:t>
             </a:fld>
             <a:endParaRPr lang="en-US"/>
           </a:p>
@@ -1612,7 +1618,7 @@
           </a:lstStyle>
           <a:p>
             <a:r>
-              <a:rPr lang="bg-BG" smtClean="0"/>
+              <a:rPr lang="bg-BG"/>
               <a:t>Редакт. стил загл. образец</a:t>
             </a:r>
             <a:endParaRPr lang="en-US" dirty="0"/>
@@ -1735,7 +1741,7 @@
           <a:p>
             <a:pPr lvl="0"/>
             <a:r>
-              <a:rPr lang="bg-BG" smtClean="0"/>
+              <a:rPr lang="bg-BG"/>
               <a:t>Редактиране на стиловете на текста в образеца</a:t>
             </a:r>
           </a:p>
@@ -1758,7 +1764,7 @@
           <a:p>
             <a:fld id="{889234BB-D826-43C2-A67A-3323DBA97B93}" type="datetimeFigureOut">
               <a:rPr lang="en-US" smtClean="0"/>
-              <a:t>5/14/2021</a:t>
+              <a:t>5/26/2021</a:t>
             </a:fld>
             <a:endParaRPr lang="en-US"/>
           </a:p>
@@ -1863,7 +1869,7 @@
           </a:lstStyle>
           <a:p>
             <a:r>
-              <a:rPr lang="bg-BG" smtClean="0"/>
+              <a:rPr lang="bg-BG"/>
               <a:t>Редакт. стил загл. образец</a:t>
             </a:r>
             <a:endParaRPr lang="en-US" dirty="0"/>
@@ -1927,7 +1933,7 @@
           <a:p>
             <a:pPr lvl="0"/>
             <a:r>
-              <a:rPr lang="bg-BG" smtClean="0"/>
+              <a:rPr lang="bg-BG"/>
               <a:t>Редактиране на стиловете на текста в образеца</a:t>
             </a:r>
           </a:p>
@@ -2049,7 +2055,7 @@
           <a:p>
             <a:pPr lvl="0"/>
             <a:r>
-              <a:rPr lang="bg-BG" smtClean="0"/>
+              <a:rPr lang="bg-BG"/>
               <a:t>Редактиране на стиловете на текста в образеца</a:t>
             </a:r>
           </a:p>
@@ -2072,7 +2078,7 @@
           <a:p>
             <a:fld id="{889234BB-D826-43C2-A67A-3323DBA97B93}" type="datetimeFigureOut">
               <a:rPr lang="en-US" smtClean="0"/>
-              <a:t>5/14/2021</a:t>
+              <a:t>5/26/2021</a:t>
             </a:fld>
             <a:endParaRPr lang="en-US"/>
           </a:p>
@@ -2259,7 +2265,7 @@
           </a:lstStyle>
           <a:p>
             <a:r>
-              <a:rPr lang="bg-BG" smtClean="0"/>
+              <a:rPr lang="bg-BG"/>
               <a:t>Редакт. стил загл. образец</a:t>
             </a:r>
             <a:endParaRPr lang="en-US" dirty="0"/>
@@ -2320,7 +2326,7 @@
           <a:p>
             <a:pPr lvl="0"/>
             <a:r>
-              <a:rPr lang="bg-BG" smtClean="0"/>
+              <a:rPr lang="bg-BG"/>
               <a:t>Редактиране на стиловете на текста в образеца</a:t>
             </a:r>
           </a:p>
@@ -2442,7 +2448,7 @@
           <a:p>
             <a:pPr lvl="0"/>
             <a:r>
-              <a:rPr lang="bg-BG" smtClean="0"/>
+              <a:rPr lang="bg-BG"/>
               <a:t>Редактиране на стиловете на текста в образеца</a:t>
             </a:r>
           </a:p>
@@ -2465,7 +2471,7 @@
           <a:p>
             <a:fld id="{889234BB-D826-43C2-A67A-3323DBA97B93}" type="datetimeFigureOut">
               <a:rPr lang="en-US" smtClean="0"/>
-              <a:t>5/14/2021</a:t>
+              <a:t>5/26/2021</a:t>
             </a:fld>
             <a:endParaRPr lang="en-US"/>
           </a:p>
@@ -2559,7 +2565,7 @@
           <a:lstStyle/>
           <a:p>
             <a:r>
-              <a:rPr lang="bg-BG" smtClean="0"/>
+              <a:rPr lang="bg-BG"/>
               <a:t>Редакт. стил загл. образец</a:t>
             </a:r>
             <a:endParaRPr lang="en-US" dirty="0"/>
@@ -2583,35 +2589,35 @@
           <a:p>
             <a:pPr lvl="0"/>
             <a:r>
-              <a:rPr lang="bg-BG" smtClean="0"/>
+              <a:rPr lang="bg-BG"/>
               <a:t>Редактиране на стиловете на текста в образеца</a:t>
             </a:r>
           </a:p>
           <a:p>
             <a:pPr lvl="1"/>
             <a:r>
-              <a:rPr lang="bg-BG" smtClean="0"/>
+              <a:rPr lang="bg-BG"/>
               <a:t>Второ ниво</a:t>
             </a:r>
           </a:p>
           <a:p>
             <a:pPr lvl="2"/>
             <a:r>
-              <a:rPr lang="bg-BG" smtClean="0"/>
+              <a:rPr lang="bg-BG"/>
               <a:t>Трето ниво</a:t>
             </a:r>
           </a:p>
           <a:p>
             <a:pPr lvl="3"/>
             <a:r>
-              <a:rPr lang="bg-BG" smtClean="0"/>
+              <a:rPr lang="bg-BG"/>
               <a:t>Четвърто ниво</a:t>
             </a:r>
           </a:p>
           <a:p>
             <a:pPr lvl="4"/>
             <a:r>
-              <a:rPr lang="bg-BG" smtClean="0"/>
+              <a:rPr lang="bg-BG"/>
               <a:t>Пето ниво</a:t>
             </a:r>
             <a:endParaRPr lang="en-US" dirty="0"/>
@@ -2635,7 +2641,7 @@
           <a:p>
             <a:fld id="{889234BB-D826-43C2-A67A-3323DBA97B93}" type="datetimeFigureOut">
               <a:rPr lang="en-US" smtClean="0"/>
-              <a:t>5/14/2021</a:t>
+              <a:t>5/26/2021</a:t>
             </a:fld>
             <a:endParaRPr lang="en-US"/>
           </a:p>
@@ -2734,7 +2740,7 @@
           <a:lstStyle/>
           <a:p>
             <a:r>
-              <a:rPr lang="bg-BG" smtClean="0"/>
+              <a:rPr lang="bg-BG"/>
               <a:t>Редакт. стил загл. образец</a:t>
             </a:r>
             <a:endParaRPr lang="en-US" dirty="0"/>
@@ -2763,35 +2769,35 @@
           <a:p>
             <a:pPr lvl="0"/>
             <a:r>
-              <a:rPr lang="bg-BG" smtClean="0"/>
+              <a:rPr lang="bg-BG"/>
               <a:t>Редактиране на стиловете на текста в образеца</a:t>
             </a:r>
           </a:p>
           <a:p>
             <a:pPr lvl="1"/>
             <a:r>
-              <a:rPr lang="bg-BG" smtClean="0"/>
+              <a:rPr lang="bg-BG"/>
               <a:t>Второ ниво</a:t>
             </a:r>
           </a:p>
           <a:p>
             <a:pPr lvl="2"/>
             <a:r>
-              <a:rPr lang="bg-BG" smtClean="0"/>
+              <a:rPr lang="bg-BG"/>
               <a:t>Трето ниво</a:t>
             </a:r>
           </a:p>
           <a:p>
             <a:pPr lvl="3"/>
             <a:r>
-              <a:rPr lang="bg-BG" smtClean="0"/>
+              <a:rPr lang="bg-BG"/>
               <a:t>Четвърто ниво</a:t>
             </a:r>
           </a:p>
           <a:p>
             <a:pPr lvl="4"/>
             <a:r>
-              <a:rPr lang="bg-BG" smtClean="0"/>
+              <a:rPr lang="bg-BG"/>
               <a:t>Пето ниво</a:t>
             </a:r>
             <a:endParaRPr lang="en-US" dirty="0"/>
@@ -2815,7 +2821,7 @@
           <a:p>
             <a:fld id="{889234BB-D826-43C2-A67A-3323DBA97B93}" type="datetimeFigureOut">
               <a:rPr lang="en-US" smtClean="0"/>
-              <a:t>5/14/2021</a:t>
+              <a:t>5/26/2021</a:t>
             </a:fld>
             <a:endParaRPr lang="en-US"/>
           </a:p>
@@ -2909,7 +2915,7 @@
           <a:lstStyle/>
           <a:p>
             <a:r>
-              <a:rPr lang="bg-BG" smtClean="0"/>
+              <a:rPr lang="bg-BG"/>
               <a:t>Редакт. стил загл. образец</a:t>
             </a:r>
             <a:endParaRPr lang="en-US" dirty="0"/>
@@ -2933,35 +2939,35 @@
           <a:p>
             <a:pPr lvl="0"/>
             <a:r>
-              <a:rPr lang="bg-BG" smtClean="0"/>
+              <a:rPr lang="bg-BG"/>
               <a:t>Редактиране на стиловете на текста в образеца</a:t>
             </a:r>
           </a:p>
           <a:p>
             <a:pPr lvl="1"/>
             <a:r>
-              <a:rPr lang="bg-BG" smtClean="0"/>
+              <a:rPr lang="bg-BG"/>
               <a:t>Второ ниво</a:t>
             </a:r>
           </a:p>
           <a:p>
             <a:pPr lvl="2"/>
             <a:r>
-              <a:rPr lang="bg-BG" smtClean="0"/>
+              <a:rPr lang="bg-BG"/>
               <a:t>Трето ниво</a:t>
             </a:r>
           </a:p>
           <a:p>
             <a:pPr lvl="3"/>
             <a:r>
-              <a:rPr lang="bg-BG" smtClean="0"/>
+              <a:rPr lang="bg-BG"/>
               <a:t>Четвърто ниво</a:t>
             </a:r>
           </a:p>
           <a:p>
             <a:pPr lvl="4"/>
             <a:r>
-              <a:rPr lang="bg-BG" smtClean="0"/>
+              <a:rPr lang="bg-BG"/>
               <a:t>Пето ниво</a:t>
             </a:r>
             <a:endParaRPr lang="en-US" dirty="0"/>
@@ -2985,7 +2991,7 @@
           <a:p>
             <a:fld id="{889234BB-D826-43C2-A67A-3323DBA97B93}" type="datetimeFigureOut">
               <a:rPr lang="en-US" smtClean="0"/>
-              <a:t>5/14/2021</a:t>
+              <a:t>5/26/2021</a:t>
             </a:fld>
             <a:endParaRPr lang="en-US"/>
           </a:p>
@@ -3088,7 +3094,7 @@
           </a:lstStyle>
           <a:p>
             <a:r>
-              <a:rPr lang="bg-BG" smtClean="0"/>
+              <a:rPr lang="bg-BG"/>
               <a:t>Редакт. стил загл. образец</a:t>
             </a:r>
             <a:endParaRPr lang="en-US" dirty="0"/>
@@ -3209,7 +3215,7 @@
           <a:p>
             <a:pPr lvl="0"/>
             <a:r>
-              <a:rPr lang="bg-BG" smtClean="0"/>
+              <a:rPr lang="bg-BG"/>
               <a:t>Редактиране на стиловете на текста в образеца</a:t>
             </a:r>
           </a:p>
@@ -3232,7 +3238,7 @@
           <a:p>
             <a:fld id="{889234BB-D826-43C2-A67A-3323DBA97B93}" type="datetimeFigureOut">
               <a:rPr lang="en-US" smtClean="0"/>
-              <a:t>5/14/2021</a:t>
+              <a:t>5/26/2021</a:t>
             </a:fld>
             <a:endParaRPr lang="en-US"/>
           </a:p>
@@ -3326,7 +3332,7 @@
           <a:lstStyle/>
           <a:p>
             <a:r>
-              <a:rPr lang="bg-BG" smtClean="0"/>
+              <a:rPr lang="bg-BG"/>
               <a:t>Редакт. стил загл. образец</a:t>
             </a:r>
             <a:endParaRPr lang="en-US" dirty="0"/>
@@ -3355,35 +3361,35 @@
           <a:p>
             <a:pPr lvl="0"/>
             <a:r>
-              <a:rPr lang="bg-BG" smtClean="0"/>
+              <a:rPr lang="bg-BG"/>
               <a:t>Редактиране на стиловете на текста в образеца</a:t>
             </a:r>
           </a:p>
           <a:p>
             <a:pPr lvl="1"/>
             <a:r>
-              <a:rPr lang="bg-BG" smtClean="0"/>
+              <a:rPr lang="bg-BG"/>
               <a:t>Второ ниво</a:t>
             </a:r>
           </a:p>
           <a:p>
             <a:pPr lvl="2"/>
             <a:r>
-              <a:rPr lang="bg-BG" smtClean="0"/>
+              <a:rPr lang="bg-BG"/>
               <a:t>Трето ниво</a:t>
             </a:r>
           </a:p>
           <a:p>
             <a:pPr lvl="3"/>
             <a:r>
-              <a:rPr lang="bg-BG" smtClean="0"/>
+              <a:rPr lang="bg-BG"/>
               <a:t>Четвърто ниво</a:t>
             </a:r>
           </a:p>
           <a:p>
             <a:pPr lvl="4"/>
             <a:r>
-              <a:rPr lang="bg-BG" smtClean="0"/>
+              <a:rPr lang="bg-BG"/>
               <a:t>Пето ниво</a:t>
             </a:r>
             <a:endParaRPr lang="en-US" dirty="0"/>
@@ -3412,35 +3418,35 @@
           <a:p>
             <a:pPr lvl="0"/>
             <a:r>
-              <a:rPr lang="bg-BG" smtClean="0"/>
+              <a:rPr lang="bg-BG"/>
               <a:t>Редактиране на стиловете на текста в образеца</a:t>
             </a:r>
           </a:p>
           <a:p>
             <a:pPr lvl="1"/>
             <a:r>
-              <a:rPr lang="bg-BG" smtClean="0"/>
+              <a:rPr lang="bg-BG"/>
               <a:t>Второ ниво</a:t>
             </a:r>
           </a:p>
           <a:p>
             <a:pPr lvl="2"/>
             <a:r>
-              <a:rPr lang="bg-BG" smtClean="0"/>
+              <a:rPr lang="bg-BG"/>
               <a:t>Трето ниво</a:t>
             </a:r>
           </a:p>
           <a:p>
             <a:pPr lvl="3"/>
             <a:r>
-              <a:rPr lang="bg-BG" smtClean="0"/>
+              <a:rPr lang="bg-BG"/>
               <a:t>Четвърто ниво</a:t>
             </a:r>
           </a:p>
           <a:p>
             <a:pPr lvl="4"/>
             <a:r>
-              <a:rPr lang="bg-BG" smtClean="0"/>
+              <a:rPr lang="bg-BG"/>
               <a:t>Пето ниво</a:t>
             </a:r>
             <a:endParaRPr lang="en-US" dirty="0"/>
@@ -3464,7 +3470,7 @@
           <a:p>
             <a:fld id="{889234BB-D826-43C2-A67A-3323DBA97B93}" type="datetimeFigureOut">
               <a:rPr lang="en-US" smtClean="0"/>
-              <a:t>5/14/2021</a:t>
+              <a:t>5/26/2021</a:t>
             </a:fld>
             <a:endParaRPr lang="en-US"/>
           </a:p>
@@ -3562,7 +3568,7 @@
           </a:lstStyle>
           <a:p>
             <a:r>
-              <a:rPr lang="bg-BG" smtClean="0"/>
+              <a:rPr lang="bg-BG"/>
               <a:t>Редакт. стил загл. образец</a:t>
             </a:r>
             <a:endParaRPr lang="en-US" dirty="0"/>
@@ -3630,7 +3636,7 @@
           <a:p>
             <a:pPr lvl="0"/>
             <a:r>
-              <a:rPr lang="bg-BG" smtClean="0"/>
+              <a:rPr lang="bg-BG"/>
               <a:t>Редактиране на стиловете на текста в образеца</a:t>
             </a:r>
           </a:p>
@@ -3660,35 +3666,35 @@
           <a:p>
             <a:pPr lvl="0"/>
             <a:r>
-              <a:rPr lang="bg-BG" smtClean="0"/>
+              <a:rPr lang="bg-BG"/>
               <a:t>Редактиране на стиловете на текста в образеца</a:t>
             </a:r>
           </a:p>
           <a:p>
             <a:pPr lvl="1"/>
             <a:r>
-              <a:rPr lang="bg-BG" smtClean="0"/>
+              <a:rPr lang="bg-BG"/>
               <a:t>Второ ниво</a:t>
             </a:r>
           </a:p>
           <a:p>
             <a:pPr lvl="2"/>
             <a:r>
-              <a:rPr lang="bg-BG" smtClean="0"/>
+              <a:rPr lang="bg-BG"/>
               <a:t>Трето ниво</a:t>
             </a:r>
           </a:p>
           <a:p>
             <a:pPr lvl="3"/>
             <a:r>
-              <a:rPr lang="bg-BG" smtClean="0"/>
+              <a:rPr lang="bg-BG"/>
               <a:t>Четвърто ниво</a:t>
             </a:r>
           </a:p>
           <a:p>
             <a:pPr lvl="4"/>
             <a:r>
-              <a:rPr lang="bg-BG" smtClean="0"/>
+              <a:rPr lang="bg-BG"/>
               <a:t>Пето ниво</a:t>
             </a:r>
             <a:endParaRPr lang="en-US" dirty="0"/>
@@ -3756,7 +3762,7 @@
           <a:p>
             <a:pPr lvl="0"/>
             <a:r>
-              <a:rPr lang="bg-BG" smtClean="0"/>
+              <a:rPr lang="bg-BG"/>
               <a:t>Редактиране на стиловете на текста в образеца</a:t>
             </a:r>
           </a:p>
@@ -3786,35 +3792,35 @@
           <a:p>
             <a:pPr lvl="0"/>
             <a:r>
-              <a:rPr lang="bg-BG" smtClean="0"/>
+              <a:rPr lang="bg-BG"/>
               <a:t>Редактиране на стиловете на текста в образеца</a:t>
             </a:r>
           </a:p>
           <a:p>
             <a:pPr lvl="1"/>
             <a:r>
-              <a:rPr lang="bg-BG" smtClean="0"/>
+              <a:rPr lang="bg-BG"/>
               <a:t>Второ ниво</a:t>
             </a:r>
           </a:p>
           <a:p>
             <a:pPr lvl="2"/>
             <a:r>
-              <a:rPr lang="bg-BG" smtClean="0"/>
+              <a:rPr lang="bg-BG"/>
               <a:t>Трето ниво</a:t>
             </a:r>
           </a:p>
           <a:p>
             <a:pPr lvl="3"/>
             <a:r>
-              <a:rPr lang="bg-BG" smtClean="0"/>
+              <a:rPr lang="bg-BG"/>
               <a:t>Четвърто ниво</a:t>
             </a:r>
           </a:p>
           <a:p>
             <a:pPr lvl="4"/>
             <a:r>
-              <a:rPr lang="bg-BG" smtClean="0"/>
+              <a:rPr lang="bg-BG"/>
               <a:t>Пето ниво</a:t>
             </a:r>
             <a:endParaRPr lang="en-US" dirty="0"/>
@@ -3838,7 +3844,7 @@
           <a:p>
             <a:fld id="{889234BB-D826-43C2-A67A-3323DBA97B93}" type="datetimeFigureOut">
               <a:rPr lang="en-US" smtClean="0"/>
-              <a:t>5/14/2021</a:t>
+              <a:t>5/26/2021</a:t>
             </a:fld>
             <a:endParaRPr lang="en-US"/>
           </a:p>
@@ -3937,7 +3943,7 @@
           <a:lstStyle/>
           <a:p>
             <a:r>
-              <a:rPr lang="bg-BG" smtClean="0"/>
+              <a:rPr lang="bg-BG"/>
               <a:t>Редакт. стил загл. образец</a:t>
             </a:r>
             <a:endParaRPr lang="en-US" dirty="0"/>
@@ -3961,7 +3967,7 @@
           <a:p>
             <a:fld id="{889234BB-D826-43C2-A67A-3323DBA97B93}" type="datetimeFigureOut">
               <a:rPr lang="en-US" smtClean="0"/>
-              <a:t>5/14/2021</a:t>
+              <a:t>5/26/2021</a:t>
             </a:fld>
             <a:endParaRPr lang="en-US"/>
           </a:p>
@@ -4056,7 +4062,7 @@
           <a:p>
             <a:fld id="{889234BB-D826-43C2-A67A-3323DBA97B93}" type="datetimeFigureOut">
               <a:rPr lang="en-US" smtClean="0"/>
-              <a:t>5/14/2021</a:t>
+              <a:t>5/26/2021</a:t>
             </a:fld>
             <a:endParaRPr lang="en-US"/>
           </a:p>
@@ -4161,7 +4167,7 @@
           </a:lstStyle>
           <a:p>
             <a:r>
-              <a:rPr lang="bg-BG" smtClean="0"/>
+              <a:rPr lang="bg-BG"/>
               <a:t>Редакт. стил загл. образец</a:t>
             </a:r>
             <a:endParaRPr lang="en-US" dirty="0"/>
@@ -4192,35 +4198,35 @@
           <a:p>
             <a:pPr lvl="0"/>
             <a:r>
-              <a:rPr lang="bg-BG" smtClean="0"/>
+              <a:rPr lang="bg-BG"/>
               <a:t>Редактиране на стиловете на текста в образеца</a:t>
             </a:r>
           </a:p>
           <a:p>
             <a:pPr lvl="1"/>
             <a:r>
-              <a:rPr lang="bg-BG" smtClean="0"/>
+              <a:rPr lang="bg-BG"/>
               <a:t>Второ ниво</a:t>
             </a:r>
           </a:p>
           <a:p>
             <a:pPr lvl="2"/>
             <a:r>
-              <a:rPr lang="bg-BG" smtClean="0"/>
+              <a:rPr lang="bg-BG"/>
               <a:t>Трето ниво</a:t>
             </a:r>
           </a:p>
           <a:p>
             <a:pPr lvl="3"/>
             <a:r>
-              <a:rPr lang="bg-BG" smtClean="0"/>
+              <a:rPr lang="bg-BG"/>
               <a:t>Четвърто ниво</a:t>
             </a:r>
           </a:p>
           <a:p>
             <a:pPr lvl="4"/>
             <a:r>
-              <a:rPr lang="bg-BG" smtClean="0"/>
+              <a:rPr lang="bg-BG"/>
               <a:t>Пето ниво</a:t>
             </a:r>
             <a:endParaRPr lang="en-US" dirty="0"/>
@@ -4288,7 +4294,7 @@
           <a:p>
             <a:pPr lvl="0"/>
             <a:r>
-              <a:rPr lang="bg-BG" smtClean="0"/>
+              <a:rPr lang="bg-BG"/>
               <a:t>Редактиране на стиловете на текста в образеца</a:t>
             </a:r>
           </a:p>
@@ -4311,7 +4317,7 @@
           <a:p>
             <a:fld id="{889234BB-D826-43C2-A67A-3323DBA97B93}" type="datetimeFigureOut">
               <a:rPr lang="en-US" smtClean="0"/>
-              <a:t>5/14/2021</a:t>
+              <a:t>5/26/2021</a:t>
             </a:fld>
             <a:endParaRPr lang="en-US"/>
           </a:p>
@@ -4416,7 +4422,7 @@
           </a:lstStyle>
           <a:p>
             <a:r>
-              <a:rPr lang="bg-BG" smtClean="0"/>
+              <a:rPr lang="bg-BG"/>
               <a:t>Редакт. стил загл. образец</a:t>
             </a:r>
             <a:endParaRPr lang="en-US" dirty="0"/>
@@ -4483,7 +4489,7 @@
           </a:lstStyle>
           <a:p>
             <a:r>
-              <a:rPr lang="bg-BG" smtClean="0"/>
+              <a:rPr lang="bg-BG"/>
               <a:t>Щракнете върху иконата, за да добавите картина</a:t>
             </a:r>
             <a:endParaRPr lang="en-US" dirty="0"/>
@@ -4551,7 +4557,7 @@
           <a:p>
             <a:pPr lvl="0"/>
             <a:r>
-              <a:rPr lang="bg-BG" smtClean="0"/>
+              <a:rPr lang="bg-BG"/>
               <a:t>Редактиране на стиловете на текста в образеца</a:t>
             </a:r>
           </a:p>
@@ -4616,7 +4622,7 @@
           <a:p>
             <a:fld id="{889234BB-D826-43C2-A67A-3323DBA97B93}" type="datetimeFigureOut">
               <a:rPr lang="en-US" smtClean="0"/>
-              <a:t>5/14/2021</a:t>
+              <a:t>5/26/2021</a:t>
             </a:fld>
             <a:endParaRPr lang="en-US"/>
           </a:p>
@@ -5214,7 +5220,7 @@
           <a:lstStyle/>
           <a:p>
             <a:r>
-              <a:rPr lang="bg-BG" smtClean="0"/>
+              <a:rPr lang="bg-BG"/>
               <a:t>Редакт. стил загл. образец</a:t>
             </a:r>
             <a:endParaRPr lang="en-US" dirty="0"/>
@@ -5248,35 +5254,35 @@
           <a:p>
             <a:pPr lvl="0"/>
             <a:r>
-              <a:rPr lang="bg-BG" smtClean="0"/>
+              <a:rPr lang="bg-BG"/>
               <a:t>Редактиране на стиловете на текста в образеца</a:t>
             </a:r>
           </a:p>
           <a:p>
             <a:pPr lvl="1"/>
             <a:r>
-              <a:rPr lang="bg-BG" smtClean="0"/>
+              <a:rPr lang="bg-BG"/>
               <a:t>Второ ниво</a:t>
             </a:r>
           </a:p>
           <a:p>
             <a:pPr lvl="2"/>
             <a:r>
-              <a:rPr lang="bg-BG" smtClean="0"/>
+              <a:rPr lang="bg-BG"/>
               <a:t>Трето ниво</a:t>
             </a:r>
           </a:p>
           <a:p>
             <a:pPr lvl="3"/>
             <a:r>
-              <a:rPr lang="bg-BG" smtClean="0"/>
+              <a:rPr lang="bg-BG"/>
               <a:t>Четвърто ниво</a:t>
             </a:r>
           </a:p>
           <a:p>
             <a:pPr lvl="4"/>
             <a:r>
-              <a:rPr lang="bg-BG" smtClean="0"/>
+              <a:rPr lang="bg-BG"/>
               <a:t>Пето ниво</a:t>
             </a:r>
             <a:endParaRPr lang="en-US" dirty="0"/>
@@ -5318,7 +5324,7 @@
           <a:p>
             <a:fld id="{889234BB-D826-43C2-A67A-3323DBA97B93}" type="datetimeFigureOut">
               <a:rPr lang="en-US" smtClean="0"/>
-              <a:t>5/14/2021</a:t>
+              <a:t>5/26/2021</a:t>
             </a:fld>
             <a:endParaRPr lang="en-US"/>
           </a:p>
@@ -5858,7 +5864,7 @@
           <a:lstStyle/>
           <a:p>
             <a:r>
-              <a:rPr lang="bg-BG" dirty="0" smtClean="0"/>
+              <a:rPr lang="bg-BG" dirty="0"/>
               <a:t>Машина за коктейли</a:t>
             </a:r>
             <a:endParaRPr lang="en-US" dirty="0"/>
@@ -5881,21 +5887,21 @@
           <a:lstStyle/>
           <a:p>
             <a:r>
-              <a:rPr lang="bg-BG" dirty="0" smtClean="0"/>
+              <a:rPr lang="bg-BG" dirty="0"/>
               <a:t>Мартин Дамянов и</a:t>
             </a:r>
             <a:r>
-              <a:rPr lang="en-US" dirty="0" smtClean="0"/>
+              <a:rPr lang="en-US" dirty="0"/>
               <a:t> </a:t>
             </a:r>
             <a:r>
-              <a:rPr lang="bg-BG" dirty="0" smtClean="0"/>
+              <a:rPr lang="bg-BG" dirty="0"/>
               <a:t>Владислав Колев</a:t>
             </a:r>
           </a:p>
           <a:p>
             <a:r>
-              <a:rPr lang="bg-BG" dirty="0" smtClean="0"/>
+              <a:rPr lang="bg-BG" dirty="0"/>
               <a:t>Все в гъз от къде</a:t>
             </a:r>
           </a:p>
@@ -5905,6 +5911,90 @@
     <p:extLst>
       <p:ext uri="{BB962C8B-B14F-4D97-AF65-F5344CB8AC3E}">
         <p14:creationId xmlns:p14="http://schemas.microsoft.com/office/powerpoint/2010/main" val="1301750669"/>
+      </p:ext>
+    </p:extLst>
+  </p:cSld>
+  <p:clrMapOvr>
+    <a:masterClrMapping/>
+  </p:clrMapOvr>
+</p:sld>
+</file>
+
+<file path=ppt/slides/slide10.xml><?xml version="1.0" encoding="utf-8"?>
+<p:sld xmlns:a="http://schemas.openxmlformats.org/drawingml/2006/main" xmlns:r="http://schemas.openxmlformats.org/officeDocument/2006/relationships" xmlns:p="http://schemas.openxmlformats.org/presentationml/2006/main">
+  <p:cSld>
+    <p:spTree>
+      <p:nvGrpSpPr>
+        <p:cNvPr id="1" name=""/>
+        <p:cNvGrpSpPr/>
+        <p:nvPr/>
+      </p:nvGrpSpPr>
+      <p:grpSpPr>
+        <a:xfrm>
+          <a:off x="0" y="0"/>
+          <a:ext cx="0" cy="0"/>
+          <a:chOff x="0" y="0"/>
+          <a:chExt cx="0" cy="0"/>
+        </a:xfrm>
+      </p:grpSpPr>
+      <p:sp>
+        <p:nvSpPr>
+          <p:cNvPr id="2" name="Title 1">
+            <a:extLst>
+              <a:ext uri="{FF2B5EF4-FFF2-40B4-BE49-F238E27FC236}">
+                <a16:creationId xmlns:a16="http://schemas.microsoft.com/office/drawing/2014/main" id="{8C0CCA8C-DF8B-4A84-A9A9-B07449D8C259}"/>
+              </a:ext>
+            </a:extLst>
+          </p:cNvPr>
+          <p:cNvSpPr>
+            <a:spLocks noGrp="1"/>
+          </p:cNvSpPr>
+          <p:nvPr>
+            <p:ph type="title"/>
+          </p:nvPr>
+        </p:nvSpPr>
+        <p:spPr/>
+        <p:txBody>
+          <a:bodyPr/>
+          <a:lstStyle/>
+          <a:p>
+            <a:r>
+              <a:rPr lang="bg-BG" dirty="0"/>
+              <a:t>Благодарим за вниманието!</a:t>
+            </a:r>
+            <a:endParaRPr lang="en-US" dirty="0"/>
+          </a:p>
+        </p:txBody>
+      </p:sp>
+      <p:sp>
+        <p:nvSpPr>
+          <p:cNvPr id="3" name="Text Placeholder 2">
+            <a:extLst>
+              <a:ext uri="{FF2B5EF4-FFF2-40B4-BE49-F238E27FC236}">
+                <a16:creationId xmlns:a16="http://schemas.microsoft.com/office/drawing/2014/main" id="{0B8C0F35-D966-439B-BB7F-6AB2BD606929}"/>
+              </a:ext>
+            </a:extLst>
+          </p:cNvPr>
+          <p:cNvSpPr>
+            <a:spLocks noGrp="1"/>
+          </p:cNvSpPr>
+          <p:nvPr>
+            <p:ph type="body" idx="1"/>
+          </p:nvPr>
+        </p:nvSpPr>
+        <p:spPr/>
+        <p:txBody>
+          <a:bodyPr/>
+          <a:lstStyle/>
+          <a:p>
+            <a:endParaRPr lang="en-US"/>
+          </a:p>
+        </p:txBody>
+      </p:sp>
+    </p:spTree>
+    <p:extLst>
+      <p:ext uri="{BB962C8B-B14F-4D97-AF65-F5344CB8AC3E}">
+        <p14:creationId xmlns:p14="http://schemas.microsoft.com/office/powerpoint/2010/main" val="1830001650"/>
       </p:ext>
     </p:extLst>
   </p:cSld>
@@ -5947,7 +6037,7 @@
           <a:lstStyle/>
           <a:p>
             <a:r>
-              <a:rPr lang="bg-BG" dirty="0" smtClean="0"/>
+              <a:rPr lang="bg-BG" dirty="0"/>
               <a:t>От къде дойде идеята</a:t>
             </a:r>
             <a:endParaRPr lang="en-US" dirty="0"/>
@@ -6087,41 +6177,13 @@
           <a:p>
             <a:r>
               <a:rPr lang="bg-BG" sz="2400" dirty="0"/>
-              <a:t>Машините предлагани на пазара използват специални капсули, които са скъпи и трудно се намират в България. </a:t>
-            </a:r>
-            <a:r>
-              <a:rPr lang="bg-BG" sz="2400" dirty="0" smtClean="0"/>
-              <a:t>Нашият </a:t>
-            </a:r>
+              <a:t>Машините предлагани на пазара използват специални капсули, които са скъпи и трудно се намират в България. Нашият проект не използва готово приготвени капсули, а директно сипва от резервоарите пълни с различните течности. </a:t>
+            </a:r>
+          </a:p>
+          <a:p>
             <a:r>
               <a:rPr lang="bg-BG" sz="2400" dirty="0"/>
-              <a:t>проект не използва готово приготвени капсули, а директно сипва от резервоарите пълни с различните </a:t>
-            </a:r>
-            <a:r>
-              <a:rPr lang="bg-BG" sz="2400" dirty="0" smtClean="0"/>
-              <a:t>течности. </a:t>
-            </a:r>
-          </a:p>
-          <a:p>
-            <a:r>
-              <a:rPr lang="bg-BG" sz="2400" dirty="0" smtClean="0"/>
-              <a:t>Освен това машината ни </a:t>
-            </a:r>
-            <a:r>
-              <a:rPr lang="bg-BG" sz="2400" dirty="0"/>
-              <a:t>възлиза </a:t>
-            </a:r>
-            <a:r>
-              <a:rPr lang="bg-BG" sz="2400" dirty="0" smtClean="0"/>
-              <a:t>на цена от </a:t>
-            </a:r>
-            <a:r>
-              <a:rPr lang="bg-BG" sz="2400" dirty="0"/>
-              <a:t>76 лева. Освен </a:t>
-            </a:r>
-            <a:r>
-              <a:rPr lang="bg-BG" sz="2400" dirty="0" smtClean="0"/>
-              <a:t>това</a:t>
+              <a:t>Освен това машината ни възлиза на цена от 76 лева. Освен това</a:t>
             </a:r>
             <a:endParaRPr lang="en-US" sz="2400" dirty="0"/>
           </a:p>
@@ -6396,14 +6458,14 @@
           <a:lstStyle/>
           <a:p>
             <a:r>
-              <a:rPr lang="bg-BG" dirty="0" smtClean="0"/>
+              <a:rPr lang="bg-BG" dirty="0"/>
               <a:t>Логическа блок</a:t>
             </a:r>
             <a:br>
-              <a:rPr lang="bg-BG" dirty="0" smtClean="0"/>
+              <a:rPr lang="bg-BG" dirty="0"/>
             </a:br>
             <a:r>
-              <a:rPr lang="bg-BG" dirty="0" smtClean="0"/>
+              <a:rPr lang="bg-BG" dirty="0"/>
               <a:t>схема</a:t>
             </a:r>
             <a:endParaRPr lang="en-US" dirty="0"/>
@@ -6484,7 +6546,7 @@
           <a:lstStyle/>
           <a:p>
             <a:r>
-              <a:rPr lang="bg-BG" dirty="0" smtClean="0"/>
+              <a:rPr lang="bg-BG" dirty="0"/>
               <a:t>Софтуер</a:t>
             </a:r>
             <a:endParaRPr lang="en-US" dirty="0"/>
@@ -6557,7 +6619,7 @@
           <a:p>
             <a:r>
               <a:rPr lang="bg-BG" dirty="0"/>
-              <a:t>С какво най-много се гордеем</a:t>
+              <a:t>Какви проблеми имахме</a:t>
             </a:r>
             <a:endParaRPr lang="en-US" dirty="0"/>
           </a:p>
@@ -6579,8 +6641,44 @@
           <a:lstStyle/>
           <a:p>
             <a:r>
-              <a:rPr lang="bg-BG" dirty="0" smtClean="0"/>
-              <a:t>Гордеем се най-много с това, че успяхме да направим главната функционалност на кода .</a:t>
+              <a:rPr lang="bg-BG" dirty="0"/>
+              <a:t>Проблеми с </a:t>
+            </a:r>
+            <a:r>
+              <a:rPr lang="en-US" dirty="0"/>
+              <a:t>Arduino IDE</a:t>
+            </a:r>
+            <a:r>
+              <a:rPr lang="bg-BG" dirty="0"/>
+              <a:t>, проблеми с библиотеките, проблеми с </a:t>
+            </a:r>
+            <a:r>
+              <a:rPr lang="en-US" dirty="0" err="1"/>
+              <a:t>Platformio</a:t>
+            </a:r>
+            <a:r>
+              <a:rPr lang="en-US" dirty="0"/>
+              <a:t> </a:t>
+            </a:r>
+            <a:r>
+              <a:rPr lang="bg-BG" dirty="0"/>
+              <a:t>във</a:t>
+            </a:r>
+            <a:r>
+              <a:rPr lang="en-US" dirty="0"/>
+              <a:t> VS Code, </a:t>
+            </a:r>
+            <a:r>
+              <a:rPr lang="bg-BG" dirty="0"/>
+              <a:t>проблеми с товарната клетка, проблеми със 0 и 1 пин на ардуиното и</a:t>
+            </a:r>
+            <a:r>
+              <a:rPr lang="en-US" dirty="0"/>
+              <a:t> </a:t>
+            </a:r>
+            <a:r>
+              <a:rPr lang="bg-BG" dirty="0"/>
+              <a:t>кутията.</a:t>
             </a:r>
             <a:endParaRPr lang="en-US" dirty="0"/>
           </a:p>
@@ -6589,7 +6687,7 @@
     </p:spTree>
     <p:extLst>
       <p:ext uri="{BB962C8B-B14F-4D97-AF65-F5344CB8AC3E}">
-        <p14:creationId xmlns:p14="http://schemas.microsoft.com/office/powerpoint/2010/main" val="3625062686"/>
+        <p14:creationId xmlns:p14="http://schemas.microsoft.com/office/powerpoint/2010/main" val="3483547687"/>
       </p:ext>
     </p:extLst>
   </p:cSld>
@@ -6632,8 +6730,8 @@
           <a:lstStyle/>
           <a:p>
             <a:r>
-              <a:rPr lang="bg-BG" dirty="0" smtClean="0"/>
-              <a:t>Какви проблеми имахме</a:t>
+              <a:rPr lang="bg-BG" dirty="0"/>
+              <a:t>С какво най-много се гордеем</a:t>
             </a:r>
             <a:endParaRPr lang="en-US" dirty="0"/>
           </a:p>
@@ -6655,52 +6753,14 @@
           <a:lstStyle/>
           <a:p>
             <a:r>
-              <a:rPr lang="bg-BG" dirty="0" smtClean="0"/>
-              <a:t>Проблеми </a:t>
-            </a:r>
-            <a:r>
               <a:rPr lang="bg-BG" dirty="0"/>
-              <a:t>с </a:t>
-            </a:r>
-            <a:r>
-              <a:rPr lang="bg-BG" dirty="0" err="1"/>
-              <a:t>ардуино</a:t>
-            </a:r>
+              <a:t>Гордеем се най-много с това, че успяхме да направим главната функционалност на кода.</a:t>
+            </a:r>
+          </a:p>
+          <a:p>
             <a:r>
               <a:rPr lang="bg-BG" dirty="0"/>
-              <a:t> иде, п</a:t>
-            </a:r>
-            <a:r>
-              <a:rPr lang="bg-BG" dirty="0" smtClean="0"/>
-              <a:t>роблеми с библиотеките, проблеми с </a:t>
-            </a:r>
-            <a:r>
-              <a:rPr lang="en-US" dirty="0" err="1" smtClean="0"/>
-              <a:t>platformio</a:t>
-            </a:r>
-            <a:r>
-              <a:rPr lang="en-US" dirty="0" smtClean="0"/>
-              <a:t> </a:t>
-            </a:r>
-            <a:r>
-              <a:rPr lang="bg-BG" dirty="0" smtClean="0"/>
-              <a:t>във</a:t>
-            </a:r>
-            <a:r>
-              <a:rPr lang="en-US" dirty="0" smtClean="0"/>
-              <a:t> vs code, </a:t>
-            </a:r>
-            <a:r>
-              <a:rPr lang="bg-BG" dirty="0" smtClean="0"/>
-              <a:t>проблеми с товарната клетка, проблеми със 0 и 1 пин на </a:t>
-            </a:r>
-            <a:r>
-              <a:rPr lang="bg-BG" dirty="0" err="1" smtClean="0"/>
-              <a:t>ардуиното</a:t>
-            </a:r>
-            <a:r>
-              <a:rPr lang="bg-BG" dirty="0" smtClean="0"/>
-              <a:t>, и НАЙ-ГОЛЕМИЯ ОТ ВСИЧКИТЕ – КУТИЯТА.</a:t>
+              <a:t>Да осъществим това, което искахме да направим.</a:t>
             </a:r>
             <a:endParaRPr lang="en-US" dirty="0"/>
           </a:p>
@@ -6709,7 +6769,7 @@
     </p:spTree>
     <p:extLst>
       <p:ext uri="{BB962C8B-B14F-4D97-AF65-F5344CB8AC3E}">
-        <p14:creationId xmlns:p14="http://schemas.microsoft.com/office/powerpoint/2010/main" val="3483547687"/>
+        <p14:creationId xmlns:p14="http://schemas.microsoft.com/office/powerpoint/2010/main" val="3625062686"/>
       </p:ext>
     </p:extLst>
   </p:cSld>

--- a/презентация.pptx
+++ b/презентация.pptx
@@ -5,18 +5,20 @@
     <p:sldMasterId id="2147483648" r:id="rId2"/>
     <p:sldMasterId id="2147483661" r:id="rId3"/>
     <p:sldMasterId id="2147483674" r:id="rId4"/>
+    <p:sldMasterId id="2147483687" r:id="rId5"/>
   </p:sldMasterIdLst>
   <p:sldIdLst>
-    <p:sldId id="256" r:id="rId5"/>
-    <p:sldId id="257" r:id="rId6"/>
-    <p:sldId id="258" r:id="rId7"/>
-    <p:sldId id="259" r:id="rId8"/>
-    <p:sldId id="260" r:id="rId9"/>
-    <p:sldId id="261" r:id="rId10"/>
-    <p:sldId id="262" r:id="rId11"/>
-    <p:sldId id="263" r:id="rId12"/>
-    <p:sldId id="264" r:id="rId13"/>
-    <p:sldId id="265" r:id="rId14"/>
+    <p:sldId id="256" r:id="rId6"/>
+    <p:sldId id="257" r:id="rId7"/>
+    <p:sldId id="258" r:id="rId8"/>
+    <p:sldId id="259" r:id="rId9"/>
+    <p:sldId id="260" r:id="rId10"/>
+    <p:sldId id="261" r:id="rId11"/>
+    <p:sldId id="262" r:id="rId12"/>
+    <p:sldId id="263" r:id="rId13"/>
+    <p:sldId id="264" r:id="rId14"/>
+    <p:sldId id="265" r:id="rId15"/>
+    <p:sldId id="266" r:id="rId16"/>
   </p:sldIdLst>
   <p:sldSz cx="12192000" cy="6858000"/>
   <p:notesSz cx="7559675" cy="10691812"/>
@@ -3443,6 +3445,195 @@
 </p:sldLayout>
 </file>
 
+<file path=ppt/slideLayouts/slideLayout37.xml><?xml version="1.0" encoding="utf-8"?>
+<p:sldLayout xmlns:a="http://schemas.openxmlformats.org/drawingml/2006/main" xmlns:p="http://schemas.openxmlformats.org/presentationml/2006/main" xmlns:r="http://schemas.openxmlformats.org/officeDocument/2006/relationships" xmlns:p14="http://schemas.microsoft.com/office/powerpoint/2010/main" xmlns:p15="http://schemas.microsoft.com/office/powerpoint/2012/main" xmlns:mc="http://schemas.openxmlformats.org/markup-compatibility/2006" type="blank" preserve="1">
+  <p:cSld name="Blank Slide">
+    <p:spTree>
+      <p:nvGrpSpPr>
+        <p:cNvPr id="1" name=""/>
+        <p:cNvGrpSpPr/>
+        <p:nvPr/>
+      </p:nvGrpSpPr>
+      <p:grpSpPr>
+        <a:xfrm>
+          <a:off x="0" y="0"/>
+          <a:ext cx="0" cy="0"/>
+          <a:chOff x="0" y="0"/>
+          <a:chExt cx="0" cy="0"/>
+        </a:xfrm>
+      </p:grpSpPr>
+    </p:spTree>
+  </p:cSld>
+</p:sldLayout>
+</file>
+
+<file path=ppt/slideLayouts/slideLayout38.xml><?xml version="1.0" encoding="utf-8"?>
+<p:sldLayout xmlns:a="http://schemas.openxmlformats.org/drawingml/2006/main" xmlns:p="http://schemas.openxmlformats.org/presentationml/2006/main" xmlns:r="http://schemas.openxmlformats.org/officeDocument/2006/relationships" xmlns:p14="http://schemas.microsoft.com/office/powerpoint/2010/main" xmlns:p15="http://schemas.microsoft.com/office/powerpoint/2012/main" xmlns:mc="http://schemas.openxmlformats.org/markup-compatibility/2006" type="tx" preserve="1">
+  <p:cSld name="Title Slide">
+    <p:spTree>
+      <p:nvGrpSpPr>
+        <p:cNvPr id="1" name=""/>
+        <p:cNvGrpSpPr/>
+        <p:nvPr/>
+      </p:nvGrpSpPr>
+      <p:grpSpPr>
+        <a:xfrm>
+          <a:off x="0" y="0"/>
+          <a:ext cx="0" cy="0"/>
+          <a:chOff x="0" y="0"/>
+          <a:chExt cx="0" cy="0"/>
+        </a:xfrm>
+      </p:grpSpPr>
+      <p:sp>
+        <p:nvSpPr>
+          <p:cNvPr id="171" name="PlaceHolder 1"/>
+          <p:cNvSpPr>
+            <a:spLocks noGrp="1"/>
+          </p:cNvSpPr>
+          <p:nvPr>
+            <p:ph type="title"/>
+          </p:nvPr>
+        </p:nvSpPr>
+        <p:spPr>
+          <a:xfrm>
+            <a:off x="609480" y="273600"/>
+            <a:ext cx="10972440" cy="1144800"/>
+          </a:xfrm>
+          <a:prstGeom prst="rect">
+            <a:avLst/>
+          </a:prstGeom>
+        </p:spPr>
+        <p:txBody>
+          <a:bodyPr lIns="0" rIns="0" tIns="0" bIns="0" anchor="ctr">
+            <a:noAutofit/>
+          </a:bodyPr>
+          <a:p>
+            <a:pPr algn="ctr"/>
+            <a:endParaRPr b="0" lang="en-US" sz="4400" spc="-1" strike="noStrike">
+              <a:latin typeface="Arial"/>
+            </a:endParaRPr>
+          </a:p>
+        </p:txBody>
+      </p:sp>
+      <p:sp>
+        <p:nvSpPr>
+          <p:cNvPr id="172" name="PlaceHolder 2"/>
+          <p:cNvSpPr>
+            <a:spLocks noGrp="1"/>
+          </p:cNvSpPr>
+          <p:nvPr>
+            <p:ph type="subTitle"/>
+          </p:nvPr>
+        </p:nvSpPr>
+        <p:spPr>
+          <a:xfrm>
+            <a:off x="609480" y="1604520"/>
+            <a:ext cx="10972440" cy="3977280"/>
+          </a:xfrm>
+          <a:prstGeom prst="rect">
+            <a:avLst/>
+          </a:prstGeom>
+        </p:spPr>
+        <p:txBody>
+          <a:bodyPr lIns="0" rIns="0" tIns="0" bIns="0" anchor="ctr">
+            <a:noAutofit/>
+          </a:bodyPr>
+          <a:p>
+            <a:pPr algn="ctr"/>
+            <a:endParaRPr b="0" lang="en-US" sz="3200" spc="-1" strike="noStrike">
+              <a:latin typeface="Arial"/>
+            </a:endParaRPr>
+          </a:p>
+        </p:txBody>
+      </p:sp>
+    </p:spTree>
+  </p:cSld>
+</p:sldLayout>
+</file>
+
+<file path=ppt/slideLayouts/slideLayout39.xml><?xml version="1.0" encoding="utf-8"?>
+<p:sldLayout xmlns:a="http://schemas.openxmlformats.org/drawingml/2006/main" xmlns:p="http://schemas.openxmlformats.org/presentationml/2006/main" xmlns:r="http://schemas.openxmlformats.org/officeDocument/2006/relationships" xmlns:p14="http://schemas.microsoft.com/office/powerpoint/2010/main" xmlns:p15="http://schemas.microsoft.com/office/powerpoint/2012/main" xmlns:mc="http://schemas.openxmlformats.org/markup-compatibility/2006" type="obj" preserve="1">
+  <p:cSld name="Title, Content">
+    <p:spTree>
+      <p:nvGrpSpPr>
+        <p:cNvPr id="1" name=""/>
+        <p:cNvGrpSpPr/>
+        <p:nvPr/>
+      </p:nvGrpSpPr>
+      <p:grpSpPr>
+        <a:xfrm>
+          <a:off x="0" y="0"/>
+          <a:ext cx="0" cy="0"/>
+          <a:chOff x="0" y="0"/>
+          <a:chExt cx="0" cy="0"/>
+        </a:xfrm>
+      </p:grpSpPr>
+      <p:sp>
+        <p:nvSpPr>
+          <p:cNvPr id="173" name="PlaceHolder 1"/>
+          <p:cNvSpPr>
+            <a:spLocks noGrp="1"/>
+          </p:cNvSpPr>
+          <p:nvPr>
+            <p:ph type="title"/>
+          </p:nvPr>
+        </p:nvSpPr>
+        <p:spPr>
+          <a:xfrm>
+            <a:off x="609480" y="273600"/>
+            <a:ext cx="10972440" cy="1144800"/>
+          </a:xfrm>
+          <a:prstGeom prst="rect">
+            <a:avLst/>
+          </a:prstGeom>
+        </p:spPr>
+        <p:txBody>
+          <a:bodyPr lIns="0" rIns="0" tIns="0" bIns="0" anchor="ctr">
+            <a:noAutofit/>
+          </a:bodyPr>
+          <a:p>
+            <a:pPr algn="ctr"/>
+            <a:endParaRPr b="0" lang="en-US" sz="4400" spc="-1" strike="noStrike">
+              <a:latin typeface="Arial"/>
+            </a:endParaRPr>
+          </a:p>
+        </p:txBody>
+      </p:sp>
+      <p:sp>
+        <p:nvSpPr>
+          <p:cNvPr id="174" name="PlaceHolder 2"/>
+          <p:cNvSpPr>
+            <a:spLocks noGrp="1"/>
+          </p:cNvSpPr>
+          <p:nvPr>
+            <p:ph type="body"/>
+          </p:nvPr>
+        </p:nvSpPr>
+        <p:spPr>
+          <a:xfrm>
+            <a:off x="609480" y="1604520"/>
+            <a:ext cx="10972440" cy="3977280"/>
+          </a:xfrm>
+          <a:prstGeom prst="rect">
+            <a:avLst/>
+          </a:prstGeom>
+        </p:spPr>
+        <p:txBody>
+          <a:bodyPr lIns="0" rIns="0" tIns="0" bIns="0">
+            <a:normAutofit/>
+          </a:bodyPr>
+          <a:p>
+            <a:endParaRPr b="0" lang="en-US" sz="3200" spc="-1" strike="noStrike">
+              <a:latin typeface="Arial"/>
+            </a:endParaRPr>
+          </a:p>
+        </p:txBody>
+      </p:sp>
+    </p:spTree>
+  </p:cSld>
+</p:sldLayout>
+</file>
+
 <file path=ppt/slideLayouts/slideLayout4.xml><?xml version="1.0" encoding="utf-8"?>
 <p:sldLayout xmlns:a="http://schemas.openxmlformats.org/drawingml/2006/main" xmlns:p="http://schemas.openxmlformats.org/presentationml/2006/main" xmlns:r="http://schemas.openxmlformats.org/officeDocument/2006/relationships" xmlns:p14="http://schemas.microsoft.com/office/powerpoint/2010/main" xmlns:p15="http://schemas.microsoft.com/office/powerpoint/2012/main" xmlns:mc="http://schemas.openxmlformats.org/markup-compatibility/2006" type="twoObj" preserve="1">
   <p:cSld name="Title, 2 Content">
@@ -3535,6 +3726,1173 @@
           <a:xfrm>
             <a:off x="6231960" y="1604520"/>
             <a:ext cx="5354280" cy="3977280"/>
+          </a:xfrm>
+          <a:prstGeom prst="rect">
+            <a:avLst/>
+          </a:prstGeom>
+        </p:spPr>
+        <p:txBody>
+          <a:bodyPr lIns="0" rIns="0" tIns="0" bIns="0">
+            <a:normAutofit/>
+          </a:bodyPr>
+          <a:p>
+            <a:endParaRPr b="0" lang="en-US" sz="3200" spc="-1" strike="noStrike">
+              <a:latin typeface="Arial"/>
+            </a:endParaRPr>
+          </a:p>
+        </p:txBody>
+      </p:sp>
+    </p:spTree>
+  </p:cSld>
+</p:sldLayout>
+</file>
+
+<file path=ppt/slideLayouts/slideLayout40.xml><?xml version="1.0" encoding="utf-8"?>
+<p:sldLayout xmlns:a="http://schemas.openxmlformats.org/drawingml/2006/main" xmlns:p="http://schemas.openxmlformats.org/presentationml/2006/main" xmlns:r="http://schemas.openxmlformats.org/officeDocument/2006/relationships" xmlns:p14="http://schemas.microsoft.com/office/powerpoint/2010/main" xmlns:p15="http://schemas.microsoft.com/office/powerpoint/2012/main" xmlns:mc="http://schemas.openxmlformats.org/markup-compatibility/2006" type="twoObj" preserve="1">
+  <p:cSld name="Title, 2 Content">
+    <p:spTree>
+      <p:nvGrpSpPr>
+        <p:cNvPr id="1" name=""/>
+        <p:cNvGrpSpPr/>
+        <p:nvPr/>
+      </p:nvGrpSpPr>
+      <p:grpSpPr>
+        <a:xfrm>
+          <a:off x="0" y="0"/>
+          <a:ext cx="0" cy="0"/>
+          <a:chOff x="0" y="0"/>
+          <a:chExt cx="0" cy="0"/>
+        </a:xfrm>
+      </p:grpSpPr>
+      <p:sp>
+        <p:nvSpPr>
+          <p:cNvPr id="175" name="PlaceHolder 1"/>
+          <p:cNvSpPr>
+            <a:spLocks noGrp="1"/>
+          </p:cNvSpPr>
+          <p:nvPr>
+            <p:ph type="title"/>
+          </p:nvPr>
+        </p:nvSpPr>
+        <p:spPr>
+          <a:xfrm>
+            <a:off x="609480" y="273600"/>
+            <a:ext cx="10972440" cy="1144800"/>
+          </a:xfrm>
+          <a:prstGeom prst="rect">
+            <a:avLst/>
+          </a:prstGeom>
+        </p:spPr>
+        <p:txBody>
+          <a:bodyPr lIns="0" rIns="0" tIns="0" bIns="0" anchor="ctr">
+            <a:noAutofit/>
+          </a:bodyPr>
+          <a:p>
+            <a:pPr algn="ctr"/>
+            <a:endParaRPr b="0" lang="en-US" sz="4400" spc="-1" strike="noStrike">
+              <a:latin typeface="Arial"/>
+            </a:endParaRPr>
+          </a:p>
+        </p:txBody>
+      </p:sp>
+      <p:sp>
+        <p:nvSpPr>
+          <p:cNvPr id="176" name="PlaceHolder 2"/>
+          <p:cNvSpPr>
+            <a:spLocks noGrp="1"/>
+          </p:cNvSpPr>
+          <p:nvPr>
+            <p:ph type="body"/>
+          </p:nvPr>
+        </p:nvSpPr>
+        <p:spPr>
+          <a:xfrm>
+            <a:off x="609480" y="1604520"/>
+            <a:ext cx="5354280" cy="3977280"/>
+          </a:xfrm>
+          <a:prstGeom prst="rect">
+            <a:avLst/>
+          </a:prstGeom>
+        </p:spPr>
+        <p:txBody>
+          <a:bodyPr lIns="0" rIns="0" tIns="0" bIns="0">
+            <a:normAutofit/>
+          </a:bodyPr>
+          <a:p>
+            <a:endParaRPr b="0" lang="en-US" sz="3200" spc="-1" strike="noStrike">
+              <a:latin typeface="Arial"/>
+            </a:endParaRPr>
+          </a:p>
+        </p:txBody>
+      </p:sp>
+      <p:sp>
+        <p:nvSpPr>
+          <p:cNvPr id="177" name="PlaceHolder 3"/>
+          <p:cNvSpPr>
+            <a:spLocks noGrp="1"/>
+          </p:cNvSpPr>
+          <p:nvPr>
+            <p:ph type="body"/>
+          </p:nvPr>
+        </p:nvSpPr>
+        <p:spPr>
+          <a:xfrm>
+            <a:off x="6231960" y="1604520"/>
+            <a:ext cx="5354280" cy="3977280"/>
+          </a:xfrm>
+          <a:prstGeom prst="rect">
+            <a:avLst/>
+          </a:prstGeom>
+        </p:spPr>
+        <p:txBody>
+          <a:bodyPr lIns="0" rIns="0" tIns="0" bIns="0">
+            <a:normAutofit/>
+          </a:bodyPr>
+          <a:p>
+            <a:endParaRPr b="0" lang="en-US" sz="3200" spc="-1" strike="noStrike">
+              <a:latin typeface="Arial"/>
+            </a:endParaRPr>
+          </a:p>
+        </p:txBody>
+      </p:sp>
+    </p:spTree>
+  </p:cSld>
+</p:sldLayout>
+</file>
+
+<file path=ppt/slideLayouts/slideLayout41.xml><?xml version="1.0" encoding="utf-8"?>
+<p:sldLayout xmlns:a="http://schemas.openxmlformats.org/drawingml/2006/main" xmlns:p="http://schemas.openxmlformats.org/presentationml/2006/main" xmlns:r="http://schemas.openxmlformats.org/officeDocument/2006/relationships" xmlns:p14="http://schemas.microsoft.com/office/powerpoint/2010/main" xmlns:p15="http://schemas.microsoft.com/office/powerpoint/2012/main" xmlns:mc="http://schemas.openxmlformats.org/markup-compatibility/2006" type="titleOnly" preserve="1">
+  <p:cSld name="Title Only">
+    <p:spTree>
+      <p:nvGrpSpPr>
+        <p:cNvPr id="1" name=""/>
+        <p:cNvGrpSpPr/>
+        <p:nvPr/>
+      </p:nvGrpSpPr>
+      <p:grpSpPr>
+        <a:xfrm>
+          <a:off x="0" y="0"/>
+          <a:ext cx="0" cy="0"/>
+          <a:chOff x="0" y="0"/>
+          <a:chExt cx="0" cy="0"/>
+        </a:xfrm>
+      </p:grpSpPr>
+      <p:sp>
+        <p:nvSpPr>
+          <p:cNvPr id="178" name="PlaceHolder 1"/>
+          <p:cNvSpPr>
+            <a:spLocks noGrp="1"/>
+          </p:cNvSpPr>
+          <p:nvPr>
+            <p:ph type="title"/>
+          </p:nvPr>
+        </p:nvSpPr>
+        <p:spPr>
+          <a:xfrm>
+            <a:off x="609480" y="273600"/>
+            <a:ext cx="10972440" cy="1144800"/>
+          </a:xfrm>
+          <a:prstGeom prst="rect">
+            <a:avLst/>
+          </a:prstGeom>
+        </p:spPr>
+        <p:txBody>
+          <a:bodyPr lIns="0" rIns="0" tIns="0" bIns="0" anchor="ctr">
+            <a:noAutofit/>
+          </a:bodyPr>
+          <a:p>
+            <a:pPr algn="ctr"/>
+            <a:endParaRPr b="0" lang="en-US" sz="4400" spc="-1" strike="noStrike">
+              <a:latin typeface="Arial"/>
+            </a:endParaRPr>
+          </a:p>
+        </p:txBody>
+      </p:sp>
+    </p:spTree>
+  </p:cSld>
+</p:sldLayout>
+</file>
+
+<file path=ppt/slideLayouts/slideLayout42.xml><?xml version="1.0" encoding="utf-8"?>
+<p:sldLayout xmlns:a="http://schemas.openxmlformats.org/drawingml/2006/main" xmlns:p="http://schemas.openxmlformats.org/presentationml/2006/main" xmlns:r="http://schemas.openxmlformats.org/officeDocument/2006/relationships" xmlns:p14="http://schemas.microsoft.com/office/powerpoint/2010/main" xmlns:p15="http://schemas.microsoft.com/office/powerpoint/2012/main" xmlns:mc="http://schemas.openxmlformats.org/markup-compatibility/2006" type="objOnly" preserve="1">
+  <p:cSld name="Centered Text">
+    <p:spTree>
+      <p:nvGrpSpPr>
+        <p:cNvPr id="1" name=""/>
+        <p:cNvGrpSpPr/>
+        <p:nvPr/>
+      </p:nvGrpSpPr>
+      <p:grpSpPr>
+        <a:xfrm>
+          <a:off x="0" y="0"/>
+          <a:ext cx="0" cy="0"/>
+          <a:chOff x="0" y="0"/>
+          <a:chExt cx="0" cy="0"/>
+        </a:xfrm>
+      </p:grpSpPr>
+      <p:sp>
+        <p:nvSpPr>
+          <p:cNvPr id="179" name="PlaceHolder 1"/>
+          <p:cNvSpPr>
+            <a:spLocks noGrp="1"/>
+          </p:cNvSpPr>
+          <p:nvPr>
+            <p:ph type="subTitle"/>
+          </p:nvPr>
+        </p:nvSpPr>
+        <p:spPr>
+          <a:xfrm>
+            <a:off x="609480" y="273600"/>
+            <a:ext cx="10972440" cy="5307840"/>
+          </a:xfrm>
+          <a:prstGeom prst="rect">
+            <a:avLst/>
+          </a:prstGeom>
+        </p:spPr>
+        <p:txBody>
+          <a:bodyPr lIns="0" rIns="0" tIns="0" bIns="0" anchor="ctr">
+            <a:noAutofit/>
+          </a:bodyPr>
+          <a:p>
+            <a:pPr algn="ctr"/>
+            <a:endParaRPr b="0" lang="en-US" sz="3200" spc="-1" strike="noStrike">
+              <a:latin typeface="Arial"/>
+            </a:endParaRPr>
+          </a:p>
+        </p:txBody>
+      </p:sp>
+    </p:spTree>
+  </p:cSld>
+</p:sldLayout>
+</file>
+
+<file path=ppt/slideLayouts/slideLayout43.xml><?xml version="1.0" encoding="utf-8"?>
+<p:sldLayout xmlns:a="http://schemas.openxmlformats.org/drawingml/2006/main" xmlns:p="http://schemas.openxmlformats.org/presentationml/2006/main" xmlns:r="http://schemas.openxmlformats.org/officeDocument/2006/relationships" xmlns:p14="http://schemas.microsoft.com/office/powerpoint/2010/main" xmlns:p15="http://schemas.microsoft.com/office/powerpoint/2012/main" xmlns:mc="http://schemas.openxmlformats.org/markup-compatibility/2006" type="twoObjAndObj" preserve="1">
+  <p:cSld name="Title, 2 Content and Content">
+    <p:spTree>
+      <p:nvGrpSpPr>
+        <p:cNvPr id="1" name=""/>
+        <p:cNvGrpSpPr/>
+        <p:nvPr/>
+      </p:nvGrpSpPr>
+      <p:grpSpPr>
+        <a:xfrm>
+          <a:off x="0" y="0"/>
+          <a:ext cx="0" cy="0"/>
+          <a:chOff x="0" y="0"/>
+          <a:chExt cx="0" cy="0"/>
+        </a:xfrm>
+      </p:grpSpPr>
+      <p:sp>
+        <p:nvSpPr>
+          <p:cNvPr id="180" name="PlaceHolder 1"/>
+          <p:cNvSpPr>
+            <a:spLocks noGrp="1"/>
+          </p:cNvSpPr>
+          <p:nvPr>
+            <p:ph type="title"/>
+          </p:nvPr>
+        </p:nvSpPr>
+        <p:spPr>
+          <a:xfrm>
+            <a:off x="609480" y="273600"/>
+            <a:ext cx="10972440" cy="1144800"/>
+          </a:xfrm>
+          <a:prstGeom prst="rect">
+            <a:avLst/>
+          </a:prstGeom>
+        </p:spPr>
+        <p:txBody>
+          <a:bodyPr lIns="0" rIns="0" tIns="0" bIns="0" anchor="ctr">
+            <a:noAutofit/>
+          </a:bodyPr>
+          <a:p>
+            <a:pPr algn="ctr"/>
+            <a:endParaRPr b="0" lang="en-US" sz="4400" spc="-1" strike="noStrike">
+              <a:latin typeface="Arial"/>
+            </a:endParaRPr>
+          </a:p>
+        </p:txBody>
+      </p:sp>
+      <p:sp>
+        <p:nvSpPr>
+          <p:cNvPr id="181" name="PlaceHolder 2"/>
+          <p:cNvSpPr>
+            <a:spLocks noGrp="1"/>
+          </p:cNvSpPr>
+          <p:nvPr>
+            <p:ph type="body"/>
+          </p:nvPr>
+        </p:nvSpPr>
+        <p:spPr>
+          <a:xfrm>
+            <a:off x="609480" y="1604520"/>
+            <a:ext cx="5354280" cy="1896840"/>
+          </a:xfrm>
+          <a:prstGeom prst="rect">
+            <a:avLst/>
+          </a:prstGeom>
+        </p:spPr>
+        <p:txBody>
+          <a:bodyPr lIns="0" rIns="0" tIns="0" bIns="0">
+            <a:normAutofit/>
+          </a:bodyPr>
+          <a:p>
+            <a:endParaRPr b="0" lang="en-US" sz="3200" spc="-1" strike="noStrike">
+              <a:latin typeface="Arial"/>
+            </a:endParaRPr>
+          </a:p>
+        </p:txBody>
+      </p:sp>
+      <p:sp>
+        <p:nvSpPr>
+          <p:cNvPr id="182" name="PlaceHolder 3"/>
+          <p:cNvSpPr>
+            <a:spLocks noGrp="1"/>
+          </p:cNvSpPr>
+          <p:nvPr>
+            <p:ph type="body"/>
+          </p:nvPr>
+        </p:nvSpPr>
+        <p:spPr>
+          <a:xfrm>
+            <a:off x="6231960" y="1604520"/>
+            <a:ext cx="5354280" cy="3977280"/>
+          </a:xfrm>
+          <a:prstGeom prst="rect">
+            <a:avLst/>
+          </a:prstGeom>
+        </p:spPr>
+        <p:txBody>
+          <a:bodyPr lIns="0" rIns="0" tIns="0" bIns="0">
+            <a:normAutofit/>
+          </a:bodyPr>
+          <a:p>
+            <a:endParaRPr b="0" lang="en-US" sz="3200" spc="-1" strike="noStrike">
+              <a:latin typeface="Arial"/>
+            </a:endParaRPr>
+          </a:p>
+        </p:txBody>
+      </p:sp>
+      <p:sp>
+        <p:nvSpPr>
+          <p:cNvPr id="183" name="PlaceHolder 4"/>
+          <p:cNvSpPr>
+            <a:spLocks noGrp="1"/>
+          </p:cNvSpPr>
+          <p:nvPr>
+            <p:ph type="body"/>
+          </p:nvPr>
+        </p:nvSpPr>
+        <p:spPr>
+          <a:xfrm>
+            <a:off x="609480" y="3682080"/>
+            <a:ext cx="5354280" cy="1896840"/>
+          </a:xfrm>
+          <a:prstGeom prst="rect">
+            <a:avLst/>
+          </a:prstGeom>
+        </p:spPr>
+        <p:txBody>
+          <a:bodyPr lIns="0" rIns="0" tIns="0" bIns="0">
+            <a:normAutofit/>
+          </a:bodyPr>
+          <a:p>
+            <a:endParaRPr b="0" lang="en-US" sz="3200" spc="-1" strike="noStrike">
+              <a:latin typeface="Arial"/>
+            </a:endParaRPr>
+          </a:p>
+        </p:txBody>
+      </p:sp>
+    </p:spTree>
+  </p:cSld>
+</p:sldLayout>
+</file>
+
+<file path=ppt/slideLayouts/slideLayout44.xml><?xml version="1.0" encoding="utf-8"?>
+<p:sldLayout xmlns:a="http://schemas.openxmlformats.org/drawingml/2006/main" xmlns:p="http://schemas.openxmlformats.org/presentationml/2006/main" xmlns:r="http://schemas.openxmlformats.org/officeDocument/2006/relationships" xmlns:p14="http://schemas.microsoft.com/office/powerpoint/2010/main" xmlns:p15="http://schemas.microsoft.com/office/powerpoint/2012/main" xmlns:mc="http://schemas.openxmlformats.org/markup-compatibility/2006" type="objAndTwoObj" preserve="1">
+  <p:cSld name="Title Content and 2 Content">
+    <p:spTree>
+      <p:nvGrpSpPr>
+        <p:cNvPr id="1" name=""/>
+        <p:cNvGrpSpPr/>
+        <p:nvPr/>
+      </p:nvGrpSpPr>
+      <p:grpSpPr>
+        <a:xfrm>
+          <a:off x="0" y="0"/>
+          <a:ext cx="0" cy="0"/>
+          <a:chOff x="0" y="0"/>
+          <a:chExt cx="0" cy="0"/>
+        </a:xfrm>
+      </p:grpSpPr>
+      <p:sp>
+        <p:nvSpPr>
+          <p:cNvPr id="184" name="PlaceHolder 1"/>
+          <p:cNvSpPr>
+            <a:spLocks noGrp="1"/>
+          </p:cNvSpPr>
+          <p:nvPr>
+            <p:ph type="title"/>
+          </p:nvPr>
+        </p:nvSpPr>
+        <p:spPr>
+          <a:xfrm>
+            <a:off x="609480" y="273600"/>
+            <a:ext cx="10972440" cy="1144800"/>
+          </a:xfrm>
+          <a:prstGeom prst="rect">
+            <a:avLst/>
+          </a:prstGeom>
+        </p:spPr>
+        <p:txBody>
+          <a:bodyPr lIns="0" rIns="0" tIns="0" bIns="0" anchor="ctr">
+            <a:noAutofit/>
+          </a:bodyPr>
+          <a:p>
+            <a:pPr algn="ctr"/>
+            <a:endParaRPr b="0" lang="en-US" sz="4400" spc="-1" strike="noStrike">
+              <a:latin typeface="Arial"/>
+            </a:endParaRPr>
+          </a:p>
+        </p:txBody>
+      </p:sp>
+      <p:sp>
+        <p:nvSpPr>
+          <p:cNvPr id="185" name="PlaceHolder 2"/>
+          <p:cNvSpPr>
+            <a:spLocks noGrp="1"/>
+          </p:cNvSpPr>
+          <p:nvPr>
+            <p:ph type="body"/>
+          </p:nvPr>
+        </p:nvSpPr>
+        <p:spPr>
+          <a:xfrm>
+            <a:off x="609480" y="1604520"/>
+            <a:ext cx="5354280" cy="3977280"/>
+          </a:xfrm>
+          <a:prstGeom prst="rect">
+            <a:avLst/>
+          </a:prstGeom>
+        </p:spPr>
+        <p:txBody>
+          <a:bodyPr lIns="0" rIns="0" tIns="0" bIns="0">
+            <a:normAutofit/>
+          </a:bodyPr>
+          <a:p>
+            <a:endParaRPr b="0" lang="en-US" sz="3200" spc="-1" strike="noStrike">
+              <a:latin typeface="Arial"/>
+            </a:endParaRPr>
+          </a:p>
+        </p:txBody>
+      </p:sp>
+      <p:sp>
+        <p:nvSpPr>
+          <p:cNvPr id="186" name="PlaceHolder 3"/>
+          <p:cNvSpPr>
+            <a:spLocks noGrp="1"/>
+          </p:cNvSpPr>
+          <p:nvPr>
+            <p:ph type="body"/>
+          </p:nvPr>
+        </p:nvSpPr>
+        <p:spPr>
+          <a:xfrm>
+            <a:off x="6231960" y="1604520"/>
+            <a:ext cx="5354280" cy="1896840"/>
+          </a:xfrm>
+          <a:prstGeom prst="rect">
+            <a:avLst/>
+          </a:prstGeom>
+        </p:spPr>
+        <p:txBody>
+          <a:bodyPr lIns="0" rIns="0" tIns="0" bIns="0">
+            <a:normAutofit/>
+          </a:bodyPr>
+          <a:p>
+            <a:endParaRPr b="0" lang="en-US" sz="3200" spc="-1" strike="noStrike">
+              <a:latin typeface="Arial"/>
+            </a:endParaRPr>
+          </a:p>
+        </p:txBody>
+      </p:sp>
+      <p:sp>
+        <p:nvSpPr>
+          <p:cNvPr id="187" name="PlaceHolder 4"/>
+          <p:cNvSpPr>
+            <a:spLocks noGrp="1"/>
+          </p:cNvSpPr>
+          <p:nvPr>
+            <p:ph type="body"/>
+          </p:nvPr>
+        </p:nvSpPr>
+        <p:spPr>
+          <a:xfrm>
+            <a:off x="6231960" y="3682080"/>
+            <a:ext cx="5354280" cy="1896840"/>
+          </a:xfrm>
+          <a:prstGeom prst="rect">
+            <a:avLst/>
+          </a:prstGeom>
+        </p:spPr>
+        <p:txBody>
+          <a:bodyPr lIns="0" rIns="0" tIns="0" bIns="0">
+            <a:normAutofit/>
+          </a:bodyPr>
+          <a:p>
+            <a:endParaRPr b="0" lang="en-US" sz="3200" spc="-1" strike="noStrike">
+              <a:latin typeface="Arial"/>
+            </a:endParaRPr>
+          </a:p>
+        </p:txBody>
+      </p:sp>
+    </p:spTree>
+  </p:cSld>
+</p:sldLayout>
+</file>
+
+<file path=ppt/slideLayouts/slideLayout45.xml><?xml version="1.0" encoding="utf-8"?>
+<p:sldLayout xmlns:a="http://schemas.openxmlformats.org/drawingml/2006/main" xmlns:p="http://schemas.openxmlformats.org/presentationml/2006/main" xmlns:r="http://schemas.openxmlformats.org/officeDocument/2006/relationships" xmlns:p14="http://schemas.microsoft.com/office/powerpoint/2010/main" xmlns:p15="http://schemas.microsoft.com/office/powerpoint/2012/main" xmlns:mc="http://schemas.openxmlformats.org/markup-compatibility/2006" type="twoObjOverTx" preserve="1">
+  <p:cSld name="Title, 2 Content over Content">
+    <p:spTree>
+      <p:nvGrpSpPr>
+        <p:cNvPr id="1" name=""/>
+        <p:cNvGrpSpPr/>
+        <p:nvPr/>
+      </p:nvGrpSpPr>
+      <p:grpSpPr>
+        <a:xfrm>
+          <a:off x="0" y="0"/>
+          <a:ext cx="0" cy="0"/>
+          <a:chOff x="0" y="0"/>
+          <a:chExt cx="0" cy="0"/>
+        </a:xfrm>
+      </p:grpSpPr>
+      <p:sp>
+        <p:nvSpPr>
+          <p:cNvPr id="188" name="PlaceHolder 1"/>
+          <p:cNvSpPr>
+            <a:spLocks noGrp="1"/>
+          </p:cNvSpPr>
+          <p:nvPr>
+            <p:ph type="title"/>
+          </p:nvPr>
+        </p:nvSpPr>
+        <p:spPr>
+          <a:xfrm>
+            <a:off x="609480" y="273600"/>
+            <a:ext cx="10972440" cy="1144800"/>
+          </a:xfrm>
+          <a:prstGeom prst="rect">
+            <a:avLst/>
+          </a:prstGeom>
+        </p:spPr>
+        <p:txBody>
+          <a:bodyPr lIns="0" rIns="0" tIns="0" bIns="0" anchor="ctr">
+            <a:noAutofit/>
+          </a:bodyPr>
+          <a:p>
+            <a:pPr algn="ctr"/>
+            <a:endParaRPr b="0" lang="en-US" sz="4400" spc="-1" strike="noStrike">
+              <a:latin typeface="Arial"/>
+            </a:endParaRPr>
+          </a:p>
+        </p:txBody>
+      </p:sp>
+      <p:sp>
+        <p:nvSpPr>
+          <p:cNvPr id="189" name="PlaceHolder 2"/>
+          <p:cNvSpPr>
+            <a:spLocks noGrp="1"/>
+          </p:cNvSpPr>
+          <p:nvPr>
+            <p:ph type="body"/>
+          </p:nvPr>
+        </p:nvSpPr>
+        <p:spPr>
+          <a:xfrm>
+            <a:off x="609480" y="1604520"/>
+            <a:ext cx="5354280" cy="1896840"/>
+          </a:xfrm>
+          <a:prstGeom prst="rect">
+            <a:avLst/>
+          </a:prstGeom>
+        </p:spPr>
+        <p:txBody>
+          <a:bodyPr lIns="0" rIns="0" tIns="0" bIns="0">
+            <a:normAutofit/>
+          </a:bodyPr>
+          <a:p>
+            <a:endParaRPr b="0" lang="en-US" sz="3200" spc="-1" strike="noStrike">
+              <a:latin typeface="Arial"/>
+            </a:endParaRPr>
+          </a:p>
+        </p:txBody>
+      </p:sp>
+      <p:sp>
+        <p:nvSpPr>
+          <p:cNvPr id="190" name="PlaceHolder 3"/>
+          <p:cNvSpPr>
+            <a:spLocks noGrp="1"/>
+          </p:cNvSpPr>
+          <p:nvPr>
+            <p:ph type="body"/>
+          </p:nvPr>
+        </p:nvSpPr>
+        <p:spPr>
+          <a:xfrm>
+            <a:off x="6231960" y="1604520"/>
+            <a:ext cx="5354280" cy="1896840"/>
+          </a:xfrm>
+          <a:prstGeom prst="rect">
+            <a:avLst/>
+          </a:prstGeom>
+        </p:spPr>
+        <p:txBody>
+          <a:bodyPr lIns="0" rIns="0" tIns="0" bIns="0">
+            <a:normAutofit/>
+          </a:bodyPr>
+          <a:p>
+            <a:endParaRPr b="0" lang="en-US" sz="3200" spc="-1" strike="noStrike">
+              <a:latin typeface="Arial"/>
+            </a:endParaRPr>
+          </a:p>
+        </p:txBody>
+      </p:sp>
+      <p:sp>
+        <p:nvSpPr>
+          <p:cNvPr id="191" name="PlaceHolder 4"/>
+          <p:cNvSpPr>
+            <a:spLocks noGrp="1"/>
+          </p:cNvSpPr>
+          <p:nvPr>
+            <p:ph type="body"/>
+          </p:nvPr>
+        </p:nvSpPr>
+        <p:spPr>
+          <a:xfrm>
+            <a:off x="609480" y="3682080"/>
+            <a:ext cx="10972440" cy="1896840"/>
+          </a:xfrm>
+          <a:prstGeom prst="rect">
+            <a:avLst/>
+          </a:prstGeom>
+        </p:spPr>
+        <p:txBody>
+          <a:bodyPr lIns="0" rIns="0" tIns="0" bIns="0">
+            <a:normAutofit/>
+          </a:bodyPr>
+          <a:p>
+            <a:endParaRPr b="0" lang="en-US" sz="3200" spc="-1" strike="noStrike">
+              <a:latin typeface="Arial"/>
+            </a:endParaRPr>
+          </a:p>
+        </p:txBody>
+      </p:sp>
+    </p:spTree>
+  </p:cSld>
+</p:sldLayout>
+</file>
+
+<file path=ppt/slideLayouts/slideLayout46.xml><?xml version="1.0" encoding="utf-8"?>
+<p:sldLayout xmlns:a="http://schemas.openxmlformats.org/drawingml/2006/main" xmlns:p="http://schemas.openxmlformats.org/presentationml/2006/main" xmlns:r="http://schemas.openxmlformats.org/officeDocument/2006/relationships" xmlns:p14="http://schemas.microsoft.com/office/powerpoint/2010/main" xmlns:p15="http://schemas.microsoft.com/office/powerpoint/2012/main" xmlns:mc="http://schemas.openxmlformats.org/markup-compatibility/2006" type="objOverTx" preserve="1">
+  <p:cSld name="Title, Content over Content">
+    <p:spTree>
+      <p:nvGrpSpPr>
+        <p:cNvPr id="1" name=""/>
+        <p:cNvGrpSpPr/>
+        <p:nvPr/>
+      </p:nvGrpSpPr>
+      <p:grpSpPr>
+        <a:xfrm>
+          <a:off x="0" y="0"/>
+          <a:ext cx="0" cy="0"/>
+          <a:chOff x="0" y="0"/>
+          <a:chExt cx="0" cy="0"/>
+        </a:xfrm>
+      </p:grpSpPr>
+      <p:sp>
+        <p:nvSpPr>
+          <p:cNvPr id="192" name="PlaceHolder 1"/>
+          <p:cNvSpPr>
+            <a:spLocks noGrp="1"/>
+          </p:cNvSpPr>
+          <p:nvPr>
+            <p:ph type="title"/>
+          </p:nvPr>
+        </p:nvSpPr>
+        <p:spPr>
+          <a:xfrm>
+            <a:off x="609480" y="273600"/>
+            <a:ext cx="10972440" cy="1144800"/>
+          </a:xfrm>
+          <a:prstGeom prst="rect">
+            <a:avLst/>
+          </a:prstGeom>
+        </p:spPr>
+        <p:txBody>
+          <a:bodyPr lIns="0" rIns="0" tIns="0" bIns="0" anchor="ctr">
+            <a:noAutofit/>
+          </a:bodyPr>
+          <a:p>
+            <a:pPr algn="ctr"/>
+            <a:endParaRPr b="0" lang="en-US" sz="4400" spc="-1" strike="noStrike">
+              <a:latin typeface="Arial"/>
+            </a:endParaRPr>
+          </a:p>
+        </p:txBody>
+      </p:sp>
+      <p:sp>
+        <p:nvSpPr>
+          <p:cNvPr id="193" name="PlaceHolder 2"/>
+          <p:cNvSpPr>
+            <a:spLocks noGrp="1"/>
+          </p:cNvSpPr>
+          <p:nvPr>
+            <p:ph type="body"/>
+          </p:nvPr>
+        </p:nvSpPr>
+        <p:spPr>
+          <a:xfrm>
+            <a:off x="609480" y="1604520"/>
+            <a:ext cx="10972440" cy="1896840"/>
+          </a:xfrm>
+          <a:prstGeom prst="rect">
+            <a:avLst/>
+          </a:prstGeom>
+        </p:spPr>
+        <p:txBody>
+          <a:bodyPr lIns="0" rIns="0" tIns="0" bIns="0">
+            <a:normAutofit/>
+          </a:bodyPr>
+          <a:p>
+            <a:endParaRPr b="0" lang="en-US" sz="3200" spc="-1" strike="noStrike">
+              <a:latin typeface="Arial"/>
+            </a:endParaRPr>
+          </a:p>
+        </p:txBody>
+      </p:sp>
+      <p:sp>
+        <p:nvSpPr>
+          <p:cNvPr id="194" name="PlaceHolder 3"/>
+          <p:cNvSpPr>
+            <a:spLocks noGrp="1"/>
+          </p:cNvSpPr>
+          <p:nvPr>
+            <p:ph type="body"/>
+          </p:nvPr>
+        </p:nvSpPr>
+        <p:spPr>
+          <a:xfrm>
+            <a:off x="609480" y="3682080"/>
+            <a:ext cx="10972440" cy="1896840"/>
+          </a:xfrm>
+          <a:prstGeom prst="rect">
+            <a:avLst/>
+          </a:prstGeom>
+        </p:spPr>
+        <p:txBody>
+          <a:bodyPr lIns="0" rIns="0" tIns="0" bIns="0">
+            <a:normAutofit/>
+          </a:bodyPr>
+          <a:p>
+            <a:endParaRPr b="0" lang="en-US" sz="3200" spc="-1" strike="noStrike">
+              <a:latin typeface="Arial"/>
+            </a:endParaRPr>
+          </a:p>
+        </p:txBody>
+      </p:sp>
+    </p:spTree>
+  </p:cSld>
+</p:sldLayout>
+</file>
+
+<file path=ppt/slideLayouts/slideLayout47.xml><?xml version="1.0" encoding="utf-8"?>
+<p:sldLayout xmlns:a="http://schemas.openxmlformats.org/drawingml/2006/main" xmlns:p="http://schemas.openxmlformats.org/presentationml/2006/main" xmlns:r="http://schemas.openxmlformats.org/officeDocument/2006/relationships" xmlns:p14="http://schemas.microsoft.com/office/powerpoint/2010/main" xmlns:p15="http://schemas.microsoft.com/office/powerpoint/2012/main" xmlns:mc="http://schemas.openxmlformats.org/markup-compatibility/2006" type="fourObj" preserve="1">
+  <p:cSld name="Title, 4 Content">
+    <p:spTree>
+      <p:nvGrpSpPr>
+        <p:cNvPr id="1" name=""/>
+        <p:cNvGrpSpPr/>
+        <p:nvPr/>
+      </p:nvGrpSpPr>
+      <p:grpSpPr>
+        <a:xfrm>
+          <a:off x="0" y="0"/>
+          <a:ext cx="0" cy="0"/>
+          <a:chOff x="0" y="0"/>
+          <a:chExt cx="0" cy="0"/>
+        </a:xfrm>
+      </p:grpSpPr>
+      <p:sp>
+        <p:nvSpPr>
+          <p:cNvPr id="195" name="PlaceHolder 1"/>
+          <p:cNvSpPr>
+            <a:spLocks noGrp="1"/>
+          </p:cNvSpPr>
+          <p:nvPr>
+            <p:ph type="title"/>
+          </p:nvPr>
+        </p:nvSpPr>
+        <p:spPr>
+          <a:xfrm>
+            <a:off x="609480" y="273600"/>
+            <a:ext cx="10972440" cy="1144800"/>
+          </a:xfrm>
+          <a:prstGeom prst="rect">
+            <a:avLst/>
+          </a:prstGeom>
+        </p:spPr>
+        <p:txBody>
+          <a:bodyPr lIns="0" rIns="0" tIns="0" bIns="0" anchor="ctr">
+            <a:noAutofit/>
+          </a:bodyPr>
+          <a:p>
+            <a:pPr algn="ctr"/>
+            <a:endParaRPr b="0" lang="en-US" sz="4400" spc="-1" strike="noStrike">
+              <a:latin typeface="Arial"/>
+            </a:endParaRPr>
+          </a:p>
+        </p:txBody>
+      </p:sp>
+      <p:sp>
+        <p:nvSpPr>
+          <p:cNvPr id="196" name="PlaceHolder 2"/>
+          <p:cNvSpPr>
+            <a:spLocks noGrp="1"/>
+          </p:cNvSpPr>
+          <p:nvPr>
+            <p:ph type="body"/>
+          </p:nvPr>
+        </p:nvSpPr>
+        <p:spPr>
+          <a:xfrm>
+            <a:off x="609480" y="1604520"/>
+            <a:ext cx="5354280" cy="1896840"/>
+          </a:xfrm>
+          <a:prstGeom prst="rect">
+            <a:avLst/>
+          </a:prstGeom>
+        </p:spPr>
+        <p:txBody>
+          <a:bodyPr lIns="0" rIns="0" tIns="0" bIns="0">
+            <a:normAutofit/>
+          </a:bodyPr>
+          <a:p>
+            <a:endParaRPr b="0" lang="en-US" sz="3200" spc="-1" strike="noStrike">
+              <a:latin typeface="Arial"/>
+            </a:endParaRPr>
+          </a:p>
+        </p:txBody>
+      </p:sp>
+      <p:sp>
+        <p:nvSpPr>
+          <p:cNvPr id="197" name="PlaceHolder 3"/>
+          <p:cNvSpPr>
+            <a:spLocks noGrp="1"/>
+          </p:cNvSpPr>
+          <p:nvPr>
+            <p:ph type="body"/>
+          </p:nvPr>
+        </p:nvSpPr>
+        <p:spPr>
+          <a:xfrm>
+            <a:off x="6231960" y="1604520"/>
+            <a:ext cx="5354280" cy="1896840"/>
+          </a:xfrm>
+          <a:prstGeom prst="rect">
+            <a:avLst/>
+          </a:prstGeom>
+        </p:spPr>
+        <p:txBody>
+          <a:bodyPr lIns="0" rIns="0" tIns="0" bIns="0">
+            <a:normAutofit/>
+          </a:bodyPr>
+          <a:p>
+            <a:endParaRPr b="0" lang="en-US" sz="3200" spc="-1" strike="noStrike">
+              <a:latin typeface="Arial"/>
+            </a:endParaRPr>
+          </a:p>
+        </p:txBody>
+      </p:sp>
+      <p:sp>
+        <p:nvSpPr>
+          <p:cNvPr id="198" name="PlaceHolder 4"/>
+          <p:cNvSpPr>
+            <a:spLocks noGrp="1"/>
+          </p:cNvSpPr>
+          <p:nvPr>
+            <p:ph type="body"/>
+          </p:nvPr>
+        </p:nvSpPr>
+        <p:spPr>
+          <a:xfrm>
+            <a:off x="609480" y="3682080"/>
+            <a:ext cx="5354280" cy="1896840"/>
+          </a:xfrm>
+          <a:prstGeom prst="rect">
+            <a:avLst/>
+          </a:prstGeom>
+        </p:spPr>
+        <p:txBody>
+          <a:bodyPr lIns="0" rIns="0" tIns="0" bIns="0">
+            <a:normAutofit/>
+          </a:bodyPr>
+          <a:p>
+            <a:endParaRPr b="0" lang="en-US" sz="3200" spc="-1" strike="noStrike">
+              <a:latin typeface="Arial"/>
+            </a:endParaRPr>
+          </a:p>
+        </p:txBody>
+      </p:sp>
+      <p:sp>
+        <p:nvSpPr>
+          <p:cNvPr id="199" name="PlaceHolder 5"/>
+          <p:cNvSpPr>
+            <a:spLocks noGrp="1"/>
+          </p:cNvSpPr>
+          <p:nvPr>
+            <p:ph type="body"/>
+          </p:nvPr>
+        </p:nvSpPr>
+        <p:spPr>
+          <a:xfrm>
+            <a:off x="6231960" y="3682080"/>
+            <a:ext cx="5354280" cy="1896840"/>
+          </a:xfrm>
+          <a:prstGeom prst="rect">
+            <a:avLst/>
+          </a:prstGeom>
+        </p:spPr>
+        <p:txBody>
+          <a:bodyPr lIns="0" rIns="0" tIns="0" bIns="0">
+            <a:normAutofit/>
+          </a:bodyPr>
+          <a:p>
+            <a:endParaRPr b="0" lang="en-US" sz="3200" spc="-1" strike="noStrike">
+              <a:latin typeface="Arial"/>
+            </a:endParaRPr>
+          </a:p>
+        </p:txBody>
+      </p:sp>
+    </p:spTree>
+  </p:cSld>
+</p:sldLayout>
+</file>
+
+<file path=ppt/slideLayouts/slideLayout48.xml><?xml version="1.0" encoding="utf-8"?>
+<p:sldLayout xmlns:a="http://schemas.openxmlformats.org/drawingml/2006/main" xmlns:p="http://schemas.openxmlformats.org/presentationml/2006/main" xmlns:r="http://schemas.openxmlformats.org/officeDocument/2006/relationships" xmlns:p14="http://schemas.microsoft.com/office/powerpoint/2010/main" xmlns:p15="http://schemas.microsoft.com/office/powerpoint/2012/main" xmlns:mc="http://schemas.openxmlformats.org/markup-compatibility/2006" type="blank" preserve="1">
+  <p:cSld name="Title, 6 Content">
+    <p:spTree>
+      <p:nvGrpSpPr>
+        <p:cNvPr id="1" name=""/>
+        <p:cNvGrpSpPr/>
+        <p:nvPr/>
+      </p:nvGrpSpPr>
+      <p:grpSpPr>
+        <a:xfrm>
+          <a:off x="0" y="0"/>
+          <a:ext cx="0" cy="0"/>
+          <a:chOff x="0" y="0"/>
+          <a:chExt cx="0" cy="0"/>
+        </a:xfrm>
+      </p:grpSpPr>
+      <p:sp>
+        <p:nvSpPr>
+          <p:cNvPr id="200" name="PlaceHolder 1"/>
+          <p:cNvSpPr>
+            <a:spLocks noGrp="1"/>
+          </p:cNvSpPr>
+          <p:nvPr>
+            <p:ph type="title"/>
+          </p:nvPr>
+        </p:nvSpPr>
+        <p:spPr>
+          <a:xfrm>
+            <a:off x="609480" y="273600"/>
+            <a:ext cx="10972440" cy="1144800"/>
+          </a:xfrm>
+          <a:prstGeom prst="rect">
+            <a:avLst/>
+          </a:prstGeom>
+        </p:spPr>
+        <p:txBody>
+          <a:bodyPr lIns="0" rIns="0" tIns="0" bIns="0" anchor="ctr">
+            <a:noAutofit/>
+          </a:bodyPr>
+          <a:p>
+            <a:pPr algn="ctr"/>
+            <a:endParaRPr b="0" lang="en-US" sz="4400" spc="-1" strike="noStrike">
+              <a:latin typeface="Arial"/>
+            </a:endParaRPr>
+          </a:p>
+        </p:txBody>
+      </p:sp>
+      <p:sp>
+        <p:nvSpPr>
+          <p:cNvPr id="201" name="PlaceHolder 2"/>
+          <p:cNvSpPr>
+            <a:spLocks noGrp="1"/>
+          </p:cNvSpPr>
+          <p:nvPr>
+            <p:ph type="body"/>
+          </p:nvPr>
+        </p:nvSpPr>
+        <p:spPr>
+          <a:xfrm>
+            <a:off x="609480" y="1604520"/>
+            <a:ext cx="3533040" cy="1896840"/>
+          </a:xfrm>
+          <a:prstGeom prst="rect">
+            <a:avLst/>
+          </a:prstGeom>
+        </p:spPr>
+        <p:txBody>
+          <a:bodyPr lIns="0" rIns="0" tIns="0" bIns="0">
+            <a:normAutofit/>
+          </a:bodyPr>
+          <a:p>
+            <a:endParaRPr b="0" lang="en-US" sz="3200" spc="-1" strike="noStrike">
+              <a:latin typeface="Arial"/>
+            </a:endParaRPr>
+          </a:p>
+        </p:txBody>
+      </p:sp>
+      <p:sp>
+        <p:nvSpPr>
+          <p:cNvPr id="202" name="PlaceHolder 3"/>
+          <p:cNvSpPr>
+            <a:spLocks noGrp="1"/>
+          </p:cNvSpPr>
+          <p:nvPr>
+            <p:ph type="body"/>
+          </p:nvPr>
+        </p:nvSpPr>
+        <p:spPr>
+          <a:xfrm>
+            <a:off x="4319640" y="1604520"/>
+            <a:ext cx="3533040" cy="1896840"/>
+          </a:xfrm>
+          <a:prstGeom prst="rect">
+            <a:avLst/>
+          </a:prstGeom>
+        </p:spPr>
+        <p:txBody>
+          <a:bodyPr lIns="0" rIns="0" tIns="0" bIns="0">
+            <a:normAutofit/>
+          </a:bodyPr>
+          <a:p>
+            <a:endParaRPr b="0" lang="en-US" sz="3200" spc="-1" strike="noStrike">
+              <a:latin typeface="Arial"/>
+            </a:endParaRPr>
+          </a:p>
+        </p:txBody>
+      </p:sp>
+      <p:sp>
+        <p:nvSpPr>
+          <p:cNvPr id="203" name="PlaceHolder 4"/>
+          <p:cNvSpPr>
+            <a:spLocks noGrp="1"/>
+          </p:cNvSpPr>
+          <p:nvPr>
+            <p:ph type="body"/>
+          </p:nvPr>
+        </p:nvSpPr>
+        <p:spPr>
+          <a:xfrm>
+            <a:off x="8029800" y="1604520"/>
+            <a:ext cx="3533040" cy="1896840"/>
+          </a:xfrm>
+          <a:prstGeom prst="rect">
+            <a:avLst/>
+          </a:prstGeom>
+        </p:spPr>
+        <p:txBody>
+          <a:bodyPr lIns="0" rIns="0" tIns="0" bIns="0">
+            <a:normAutofit/>
+          </a:bodyPr>
+          <a:p>
+            <a:endParaRPr b="0" lang="en-US" sz="3200" spc="-1" strike="noStrike">
+              <a:latin typeface="Arial"/>
+            </a:endParaRPr>
+          </a:p>
+        </p:txBody>
+      </p:sp>
+      <p:sp>
+        <p:nvSpPr>
+          <p:cNvPr id="204" name="PlaceHolder 5"/>
+          <p:cNvSpPr>
+            <a:spLocks noGrp="1"/>
+          </p:cNvSpPr>
+          <p:nvPr>
+            <p:ph type="body"/>
+          </p:nvPr>
+        </p:nvSpPr>
+        <p:spPr>
+          <a:xfrm>
+            <a:off x="609480" y="3682080"/>
+            <a:ext cx="3533040" cy="1896840"/>
+          </a:xfrm>
+          <a:prstGeom prst="rect">
+            <a:avLst/>
+          </a:prstGeom>
+        </p:spPr>
+        <p:txBody>
+          <a:bodyPr lIns="0" rIns="0" tIns="0" bIns="0">
+            <a:normAutofit/>
+          </a:bodyPr>
+          <a:p>
+            <a:endParaRPr b="0" lang="en-US" sz="3200" spc="-1" strike="noStrike">
+              <a:latin typeface="Arial"/>
+            </a:endParaRPr>
+          </a:p>
+        </p:txBody>
+      </p:sp>
+      <p:sp>
+        <p:nvSpPr>
+          <p:cNvPr id="205" name="PlaceHolder 6"/>
+          <p:cNvSpPr>
+            <a:spLocks noGrp="1"/>
+          </p:cNvSpPr>
+          <p:nvPr>
+            <p:ph type="body"/>
+          </p:nvPr>
+        </p:nvSpPr>
+        <p:spPr>
+          <a:xfrm>
+            <a:off x="4319640" y="3682080"/>
+            <a:ext cx="3533040" cy="1896840"/>
+          </a:xfrm>
+          <a:prstGeom prst="rect">
+            <a:avLst/>
+          </a:prstGeom>
+        </p:spPr>
+        <p:txBody>
+          <a:bodyPr lIns="0" rIns="0" tIns="0" bIns="0">
+            <a:normAutofit/>
+          </a:bodyPr>
+          <a:p>
+            <a:endParaRPr b="0" lang="en-US" sz="3200" spc="-1" strike="noStrike">
+              <a:latin typeface="Arial"/>
+            </a:endParaRPr>
+          </a:p>
+        </p:txBody>
+      </p:sp>
+      <p:sp>
+        <p:nvSpPr>
+          <p:cNvPr id="206" name="PlaceHolder 7"/>
+          <p:cNvSpPr>
+            <a:spLocks noGrp="1"/>
+          </p:cNvSpPr>
+          <p:nvPr>
+            <p:ph type="body"/>
+          </p:nvPr>
+        </p:nvSpPr>
+        <p:spPr>
+          <a:xfrm>
+            <a:off x="8029800" y="3682080"/>
+            <a:ext cx="3533040" cy="1896840"/>
           </a:xfrm>
           <a:prstGeom prst="rect">
             <a:avLst/>
@@ -4124,9 +5482,9 @@
         <p:grpSpPr>
           <a:xfrm>
             <a:off x="0" y="-8640"/>
-            <a:ext cx="12191400" cy="6866640"/>
+            <a:ext cx="12190680" cy="6866640"/>
             <a:chOff x="0" y="-8640"/>
-            <a:chExt cx="12191400" cy="6866640"/>
+            <a:chExt cx="12190680" cy="6866640"/>
           </a:xfrm>
         </p:grpSpPr>
         <p:sp>
@@ -4210,7 +5568,7 @@
           <p:spPr>
             <a:xfrm>
               <a:off x="9181440" y="-8640"/>
-              <a:ext cx="3006720" cy="6865920"/>
+              <a:ext cx="3006000" cy="6865200"/>
             </a:xfrm>
             <a:custGeom>
               <a:avLst/>
@@ -4276,7 +5634,7 @@
           <p:spPr>
             <a:xfrm>
               <a:off x="9603360" y="-8640"/>
-              <a:ext cx="2587680" cy="6865920"/>
+              <a:ext cx="2586960" cy="6865200"/>
             </a:xfrm>
             <a:custGeom>
               <a:avLst/>
@@ -4342,7 +5700,7 @@
           <p:spPr>
             <a:xfrm>
               <a:off x="8932320" y="3048120"/>
-              <a:ext cx="3259080" cy="3809160"/>
+              <a:ext cx="3258360" cy="3808440"/>
             </a:xfrm>
             <a:prstGeom prst="triangle">
               <a:avLst>
@@ -4388,7 +5746,7 @@
           <p:spPr>
             <a:xfrm>
               <a:off x="9334440" y="-8640"/>
-              <a:ext cx="2853720" cy="6865920"/>
+              <a:ext cx="2853000" cy="6865200"/>
             </a:xfrm>
             <a:custGeom>
               <a:avLst/>
@@ -4455,7 +5813,7 @@
           <p:spPr>
             <a:xfrm>
               <a:off x="10898640" y="-8640"/>
-              <a:ext cx="1289520" cy="6865920"/>
+              <a:ext cx="1288800" cy="6865200"/>
             </a:xfrm>
             <a:custGeom>
               <a:avLst/>
@@ -4521,7 +5879,7 @@
           <p:spPr>
             <a:xfrm>
               <a:off x="10938960" y="-8640"/>
-              <a:ext cx="1249200" cy="6865920"/>
+              <a:ext cx="1248480" cy="6865200"/>
             </a:xfrm>
             <a:custGeom>
               <a:avLst/>
@@ -4588,7 +5946,7 @@
           <p:spPr>
             <a:xfrm>
               <a:off x="10371600" y="3589920"/>
-              <a:ext cx="1816560" cy="3267360"/>
+              <a:ext cx="1815840" cy="3266640"/>
             </a:xfrm>
             <a:prstGeom prst="triangle">
               <a:avLst>
@@ -4634,7 +5992,7 @@
           <p:spPr>
             <a:xfrm>
               <a:off x="0" y="4013280"/>
-              <a:ext cx="447840" cy="2844000"/>
+              <a:ext cx="447120" cy="2843280"/>
             </a:xfrm>
             <a:prstGeom prst="triangle">
               <a:avLst>
@@ -4680,9 +6038,9 @@
         <p:grpSpPr>
           <a:xfrm>
             <a:off x="0" y="-8640"/>
-            <a:ext cx="12191400" cy="6866640"/>
+            <a:ext cx="12190680" cy="6866640"/>
             <a:chOff x="0" y="-8640"/>
-            <a:chExt cx="12191400" cy="6866640"/>
+            <a:chExt cx="12190680" cy="6866640"/>
           </a:xfrm>
         </p:grpSpPr>
         <p:sp>
@@ -4694,7 +6052,7 @@
           <p:spPr>
             <a:xfrm>
               <a:off x="0" y="-7920"/>
-              <a:ext cx="862920" cy="5697360"/>
+              <a:ext cx="862200" cy="5696640"/>
             </a:xfrm>
             <a:custGeom>
               <a:avLst/>
@@ -4832,7 +6190,7 @@
           <p:spPr>
             <a:xfrm>
               <a:off x="9181440" y="-8640"/>
-              <a:ext cx="3006720" cy="6865920"/>
+              <a:ext cx="3006000" cy="6865200"/>
             </a:xfrm>
             <a:custGeom>
               <a:avLst/>
@@ -4898,7 +6256,7 @@
           <p:spPr>
             <a:xfrm>
               <a:off x="9603360" y="-8640"/>
-              <a:ext cx="2587680" cy="6865920"/>
+              <a:ext cx="2586960" cy="6865200"/>
             </a:xfrm>
             <a:custGeom>
               <a:avLst/>
@@ -4964,7 +6322,7 @@
           <p:spPr>
             <a:xfrm>
               <a:off x="8932320" y="3048120"/>
-              <a:ext cx="3259080" cy="3809160"/>
+              <a:ext cx="3258360" cy="3808440"/>
             </a:xfrm>
             <a:prstGeom prst="triangle">
               <a:avLst>
@@ -5010,7 +6368,7 @@
           <p:spPr>
             <a:xfrm>
               <a:off x="9334440" y="-8640"/>
-              <a:ext cx="2853720" cy="6865920"/>
+              <a:ext cx="2853000" cy="6865200"/>
             </a:xfrm>
             <a:custGeom>
               <a:avLst/>
@@ -5077,7 +6435,7 @@
           <p:spPr>
             <a:xfrm>
               <a:off x="10898640" y="-8640"/>
-              <a:ext cx="1289520" cy="6865920"/>
+              <a:ext cx="1288800" cy="6865200"/>
             </a:xfrm>
             <a:custGeom>
               <a:avLst/>
@@ -5143,7 +6501,7 @@
           <p:spPr>
             <a:xfrm>
               <a:off x="10938960" y="-8640"/>
-              <a:ext cx="1249200" cy="6865920"/>
+              <a:ext cx="1248480" cy="6865200"/>
             </a:xfrm>
             <a:custGeom>
               <a:avLst/>
@@ -5210,7 +6568,7 @@
           <p:spPr>
             <a:xfrm>
               <a:off x="10371600" y="3589920"/>
-              <a:ext cx="1816560" cy="3267360"/>
+              <a:ext cx="1815840" cy="3266640"/>
             </a:xfrm>
             <a:prstGeom prst="triangle">
               <a:avLst>
@@ -5260,8 +6618,8 @@
         </p:nvSpPr>
         <p:spPr>
           <a:xfrm>
-            <a:off x="677160" y="2700720"/>
-            <a:ext cx="8596080" cy="1825920"/>
+            <a:off x="609480" y="273600"/>
+            <a:ext cx="10972440" cy="1144800"/>
           </a:xfrm>
           <a:prstGeom prst="rect">
             <a:avLst/>
@@ -5274,12 +6632,12 @@
           <a:p>
             <a:pPr algn="ctr"/>
             <a:r>
-              <a:rPr b="0" lang="en-US" sz="1800" spc="-1" strike="noStrike">
+              <a:rPr b="0" lang="en-US" sz="4400" spc="-1" strike="noStrike">
                 <a:latin typeface="Arial"/>
               </a:rPr>
               <a:t>Click to edit the title text format</a:t>
             </a:r>
-            <a:endParaRPr b="0" lang="en-US" sz="1800" spc="-1" strike="noStrike">
+            <a:endParaRPr b="0" lang="en-US" sz="4400" spc="-1" strike="noStrike">
               <a:latin typeface="Arial"/>
             </a:endParaRPr>
           </a:p>
@@ -5517,9 +6875,9 @@
         <p:grpSpPr>
           <a:xfrm>
             <a:off x="0" y="-8640"/>
-            <a:ext cx="12191400" cy="6866640"/>
+            <a:ext cx="12190680" cy="6866640"/>
             <a:chOff x="0" y="-8640"/>
-            <a:chExt cx="12191400" cy="6866640"/>
+            <a:chExt cx="12190680" cy="6866640"/>
           </a:xfrm>
         </p:grpSpPr>
         <p:sp>
@@ -5603,7 +6961,7 @@
           <p:spPr>
             <a:xfrm>
               <a:off x="9181440" y="-8640"/>
-              <a:ext cx="3006720" cy="6865920"/>
+              <a:ext cx="3006000" cy="6865200"/>
             </a:xfrm>
             <a:custGeom>
               <a:avLst/>
@@ -5669,7 +7027,7 @@
           <p:spPr>
             <a:xfrm>
               <a:off x="9603360" y="-8640"/>
-              <a:ext cx="2587680" cy="6865920"/>
+              <a:ext cx="2586960" cy="6865200"/>
             </a:xfrm>
             <a:custGeom>
               <a:avLst/>
@@ -5735,7 +7093,7 @@
           <p:spPr>
             <a:xfrm>
               <a:off x="8932320" y="3048120"/>
-              <a:ext cx="3259080" cy="3809160"/>
+              <a:ext cx="3258360" cy="3808440"/>
             </a:xfrm>
             <a:prstGeom prst="triangle">
               <a:avLst>
@@ -5781,7 +7139,7 @@
           <p:spPr>
             <a:xfrm>
               <a:off x="9334440" y="-8640"/>
-              <a:ext cx="2853720" cy="6865920"/>
+              <a:ext cx="2853000" cy="6865200"/>
             </a:xfrm>
             <a:custGeom>
               <a:avLst/>
@@ -5848,7 +7206,7 @@
           <p:spPr>
             <a:xfrm>
               <a:off x="10898640" y="-8640"/>
-              <a:ext cx="1289520" cy="6865920"/>
+              <a:ext cx="1288800" cy="6865200"/>
             </a:xfrm>
             <a:custGeom>
               <a:avLst/>
@@ -5914,7 +7272,7 @@
           <p:spPr>
             <a:xfrm>
               <a:off x="10938960" y="-8640"/>
-              <a:ext cx="1249200" cy="6865920"/>
+              <a:ext cx="1248480" cy="6865200"/>
             </a:xfrm>
             <a:custGeom>
               <a:avLst/>
@@ -5981,7 +7339,7 @@
           <p:spPr>
             <a:xfrm>
               <a:off x="10371600" y="3589920"/>
-              <a:ext cx="1816560" cy="3267360"/>
+              <a:ext cx="1815840" cy="3266640"/>
             </a:xfrm>
             <a:prstGeom prst="triangle">
               <a:avLst>
@@ -6027,7 +7385,7 @@
           <p:spPr>
             <a:xfrm>
               <a:off x="0" y="4013280"/>
-              <a:ext cx="447840" cy="2844000"/>
+              <a:ext cx="447120" cy="2843280"/>
             </a:xfrm>
             <a:prstGeom prst="triangle">
               <a:avLst>
@@ -6333,9 +7691,9 @@
         <p:grpSpPr>
           <a:xfrm>
             <a:off x="0" y="-8640"/>
-            <a:ext cx="12191400" cy="6866640"/>
+            <a:ext cx="12190680" cy="6866640"/>
             <a:chOff x="0" y="-8640"/>
-            <a:chExt cx="12191400" cy="6866640"/>
+            <a:chExt cx="12190680" cy="6866640"/>
           </a:xfrm>
         </p:grpSpPr>
         <p:sp>
@@ -6419,7 +7777,7 @@
           <p:spPr>
             <a:xfrm>
               <a:off x="9181440" y="-8640"/>
-              <a:ext cx="3006720" cy="6865920"/>
+              <a:ext cx="3006000" cy="6865200"/>
             </a:xfrm>
             <a:custGeom>
               <a:avLst/>
@@ -6485,7 +7843,7 @@
           <p:spPr>
             <a:xfrm>
               <a:off x="9603360" y="-8640"/>
-              <a:ext cx="2587680" cy="6865920"/>
+              <a:ext cx="2586960" cy="6865200"/>
             </a:xfrm>
             <a:custGeom>
               <a:avLst/>
@@ -6551,7 +7909,7 @@
           <p:spPr>
             <a:xfrm>
               <a:off x="8932320" y="3048120"/>
-              <a:ext cx="3259080" cy="3809160"/>
+              <a:ext cx="3258360" cy="3808440"/>
             </a:xfrm>
             <a:prstGeom prst="triangle">
               <a:avLst>
@@ -6597,7 +7955,7 @@
           <p:spPr>
             <a:xfrm>
               <a:off x="9334440" y="-8640"/>
-              <a:ext cx="2853720" cy="6865920"/>
+              <a:ext cx="2853000" cy="6865200"/>
             </a:xfrm>
             <a:custGeom>
               <a:avLst/>
@@ -6664,7 +8022,7 @@
           <p:spPr>
             <a:xfrm>
               <a:off x="10898640" y="-8640"/>
-              <a:ext cx="1289520" cy="6865920"/>
+              <a:ext cx="1288800" cy="6865200"/>
             </a:xfrm>
             <a:custGeom>
               <a:avLst/>
@@ -6730,7 +8088,7 @@
           <p:spPr>
             <a:xfrm>
               <a:off x="10938960" y="-8640"/>
-              <a:ext cx="1249200" cy="6865920"/>
+              <a:ext cx="1248480" cy="6865200"/>
             </a:xfrm>
             <a:custGeom>
               <a:avLst/>
@@ -6797,7 +8155,7 @@
           <p:spPr>
             <a:xfrm>
               <a:off x="10371600" y="3589920"/>
-              <a:ext cx="1816560" cy="3267360"/>
+              <a:ext cx="1815840" cy="3266640"/>
             </a:xfrm>
             <a:prstGeom prst="triangle">
               <a:avLst>
@@ -6843,7 +8201,7 @@
           <p:spPr>
             <a:xfrm>
               <a:off x="0" y="4013280"/>
-              <a:ext cx="447840" cy="2844000"/>
+              <a:ext cx="447120" cy="2843280"/>
             </a:xfrm>
             <a:prstGeom prst="triangle">
               <a:avLst>
@@ -7116,6 +8474,822 @@
 </p:sldMaster>
 </file>
 
+<file path=ppt/slideMasters/slideMaster4.xml><?xml version="1.0" encoding="utf-8"?>
+<p:sldMaster xmlns:a="http://schemas.openxmlformats.org/drawingml/2006/main" xmlns:p="http://schemas.openxmlformats.org/presentationml/2006/main" xmlns:r="http://schemas.openxmlformats.org/officeDocument/2006/relationships" xmlns:p14="http://schemas.microsoft.com/office/powerpoint/2010/main" xmlns:p15="http://schemas.microsoft.com/office/powerpoint/2012/main" xmlns:mc="http://schemas.openxmlformats.org/markup-compatibility/2006">
+  <p:cSld>
+    <p:bg>
+      <p:bgPr>
+        <a:solidFill>
+          <a:srgbClr val="ffffff"/>
+        </a:solidFill>
+      </p:bgPr>
+    </p:bg>
+    <p:spTree>
+      <p:nvGrpSpPr>
+        <p:cNvPr id="1" name=""/>
+        <p:cNvGrpSpPr/>
+        <p:nvPr/>
+      </p:nvGrpSpPr>
+      <p:grpSpPr>
+        <a:xfrm>
+          <a:off x="0" y="0"/>
+          <a:ext cx="0" cy="0"/>
+          <a:chOff x="0" y="0"/>
+          <a:chExt cx="0" cy="0"/>
+        </a:xfrm>
+      </p:grpSpPr>
+      <p:grpSp>
+        <p:nvGrpSpPr>
+          <p:cNvPr id="158" name="Group 1"/>
+          <p:cNvGrpSpPr/>
+          <p:nvPr/>
+        </p:nvGrpSpPr>
+        <p:grpSpPr>
+          <a:xfrm>
+            <a:off x="0" y="-8640"/>
+            <a:ext cx="12190680" cy="6866640"/>
+            <a:chOff x="0" y="-8640"/>
+            <a:chExt cx="12190680" cy="6866640"/>
+          </a:xfrm>
+        </p:grpSpPr>
+        <p:sp>
+          <p:nvSpPr>
+            <p:cNvPr id="159" name="Line 2"/>
+            <p:cNvSpPr/>
+            <p:nvPr/>
+          </p:nvSpPr>
+          <p:spPr>
+            <a:xfrm>
+              <a:off x="9370800" y="0"/>
+              <a:ext cx="1219320" cy="6858000"/>
+            </a:xfrm>
+            <a:prstGeom prst="line">
+              <a:avLst/>
+            </a:prstGeom>
+            <a:ln cap="rnd" w="9360">
+              <a:solidFill>
+                <a:schemeClr val="accent1">
+                  <a:alpha val="70000"/>
+                </a:schemeClr>
+              </a:solidFill>
+              <a:round/>
+            </a:ln>
+          </p:spPr>
+          <p:style>
+            <a:lnRef idx="2">
+              <a:schemeClr val="accent1"/>
+            </a:lnRef>
+            <a:fillRef idx="0">
+              <a:schemeClr val="accent1"/>
+            </a:fillRef>
+            <a:effectRef idx="1">
+              <a:schemeClr val="accent1"/>
+            </a:effectRef>
+            <a:fontRef idx="minor"/>
+          </p:style>
+        </p:sp>
+        <p:sp>
+          <p:nvSpPr>
+            <p:cNvPr id="160" name="Line 3"/>
+            <p:cNvSpPr/>
+            <p:nvPr/>
+          </p:nvSpPr>
+          <p:spPr>
+            <a:xfrm flipH="1">
+              <a:off x="7425000" y="3681360"/>
+              <a:ext cx="4763520" cy="3176640"/>
+            </a:xfrm>
+            <a:prstGeom prst="line">
+              <a:avLst/>
+            </a:prstGeom>
+            <a:ln cap="rnd" w="9360">
+              <a:solidFill>
+                <a:schemeClr val="accent1">
+                  <a:alpha val="70000"/>
+                </a:schemeClr>
+              </a:solidFill>
+              <a:round/>
+            </a:ln>
+          </p:spPr>
+          <p:style>
+            <a:lnRef idx="2">
+              <a:schemeClr val="accent1"/>
+            </a:lnRef>
+            <a:fillRef idx="0">
+              <a:schemeClr val="accent1"/>
+            </a:fillRef>
+            <a:effectRef idx="1">
+              <a:schemeClr val="accent1"/>
+            </a:effectRef>
+            <a:fontRef idx="minor"/>
+          </p:style>
+        </p:sp>
+        <p:sp>
+          <p:nvSpPr>
+            <p:cNvPr id="161" name="CustomShape 4"/>
+            <p:cNvSpPr/>
+            <p:nvPr/>
+          </p:nvSpPr>
+          <p:spPr>
+            <a:xfrm>
+              <a:off x="9181440" y="-8640"/>
+              <a:ext cx="3006000" cy="6865200"/>
+            </a:xfrm>
+            <a:custGeom>
+              <a:avLst/>
+              <a:gdLst/>
+              <a:ahLst/>
+              <a:rect l="l" t="t" r="r" b="b"/>
+              <a:pathLst>
+                <a:path w="3007349" h="6866467">
+                  <a:moveTo>
+                    <a:pt x="2045532" y="0"/>
+                  </a:moveTo>
+                  <a:lnTo>
+                    <a:pt x="3007349" y="0"/>
+                  </a:lnTo>
+                  <a:lnTo>
+                    <a:pt x="3007349" y="6866467"/>
+                  </a:lnTo>
+                  <a:lnTo>
+                    <a:pt x="0" y="6866467"/>
+                  </a:lnTo>
+                  <a:lnTo>
+                    <a:pt x="2045532" y="0"/>
+                  </a:lnTo>
+                  <a:close/>
+                </a:path>
+              </a:pathLst>
+            </a:custGeom>
+            <a:solidFill>
+              <a:schemeClr val="accent1">
+                <a:alpha val="36000"/>
+              </a:schemeClr>
+            </a:solidFill>
+            <a:ln>
+              <a:noFill/>
+            </a:ln>
+            <a:effectLst>
+              <a:outerShdw blurRad="38100" dir="5400000" dist="25560" rotWithShape="0">
+                <a:srgbClr val="000000">
+                  <a:alpha val="35000"/>
+                </a:srgbClr>
+              </a:outerShdw>
+            </a:effectLst>
+          </p:spPr>
+          <p:style>
+            <a:lnRef idx="1">
+              <a:schemeClr val="accent1"/>
+            </a:lnRef>
+            <a:fillRef idx="3">
+              <a:schemeClr val="accent1"/>
+            </a:fillRef>
+            <a:effectRef idx="2">
+              <a:schemeClr val="accent1"/>
+            </a:effectRef>
+            <a:fontRef idx="minor"/>
+          </p:style>
+        </p:sp>
+        <p:sp>
+          <p:nvSpPr>
+            <p:cNvPr id="162" name="CustomShape 5"/>
+            <p:cNvSpPr/>
+            <p:nvPr/>
+          </p:nvSpPr>
+          <p:spPr>
+            <a:xfrm>
+              <a:off x="9603360" y="-8640"/>
+              <a:ext cx="2586960" cy="6865200"/>
+            </a:xfrm>
+            <a:custGeom>
+              <a:avLst/>
+              <a:gdLst/>
+              <a:ahLst/>
+              <a:rect l="l" t="t" r="r" b="b"/>
+              <a:pathLst>
+                <a:path w="2573311" h="6866467">
+                  <a:moveTo>
+                    <a:pt x="0" y="0"/>
+                  </a:moveTo>
+                  <a:lnTo>
+                    <a:pt x="2573311" y="0"/>
+                  </a:lnTo>
+                  <a:lnTo>
+                    <a:pt x="2573311" y="6866467"/>
+                  </a:lnTo>
+                  <a:lnTo>
+                    <a:pt x="1202336" y="6866467"/>
+                  </a:lnTo>
+                  <a:lnTo>
+                    <a:pt x="0" y="0"/>
+                  </a:lnTo>
+                  <a:close/>
+                </a:path>
+              </a:pathLst>
+            </a:custGeom>
+            <a:solidFill>
+              <a:schemeClr val="accent1">
+                <a:alpha val="20000"/>
+              </a:schemeClr>
+            </a:solidFill>
+            <a:ln>
+              <a:noFill/>
+            </a:ln>
+            <a:effectLst>
+              <a:outerShdw blurRad="38100" dir="5400000" dist="25560" rotWithShape="0">
+                <a:srgbClr val="000000">
+                  <a:alpha val="35000"/>
+                </a:srgbClr>
+              </a:outerShdw>
+            </a:effectLst>
+          </p:spPr>
+          <p:style>
+            <a:lnRef idx="1">
+              <a:schemeClr val="accent1"/>
+            </a:lnRef>
+            <a:fillRef idx="3">
+              <a:schemeClr val="accent1"/>
+            </a:fillRef>
+            <a:effectRef idx="2">
+              <a:schemeClr val="accent1"/>
+            </a:effectRef>
+            <a:fontRef idx="minor"/>
+          </p:style>
+        </p:sp>
+        <p:sp>
+          <p:nvSpPr>
+            <p:cNvPr id="163" name="CustomShape 6"/>
+            <p:cNvSpPr/>
+            <p:nvPr/>
+          </p:nvSpPr>
+          <p:spPr>
+            <a:xfrm>
+              <a:off x="8932320" y="3048120"/>
+              <a:ext cx="3258360" cy="3808440"/>
+            </a:xfrm>
+            <a:prstGeom prst="triangle">
+              <a:avLst>
+                <a:gd name="adj" fmla="val 100000"/>
+              </a:avLst>
+            </a:prstGeom>
+            <a:solidFill>
+              <a:schemeClr val="accent1">
+                <a:lumMod val="75000"/>
+                <a:alpha val="66000"/>
+              </a:schemeClr>
+            </a:solidFill>
+            <a:ln>
+              <a:noFill/>
+            </a:ln>
+            <a:effectLst>
+              <a:outerShdw blurRad="38100" dir="5400000" dist="25560" rotWithShape="0">
+                <a:srgbClr val="000000">
+                  <a:alpha val="35000"/>
+                </a:srgbClr>
+              </a:outerShdw>
+            </a:effectLst>
+          </p:spPr>
+          <p:style>
+            <a:lnRef idx="1">
+              <a:schemeClr val="accent1"/>
+            </a:lnRef>
+            <a:fillRef idx="3">
+              <a:schemeClr val="accent1"/>
+            </a:fillRef>
+            <a:effectRef idx="2">
+              <a:schemeClr val="accent1"/>
+            </a:effectRef>
+            <a:fontRef idx="minor"/>
+          </p:style>
+        </p:sp>
+        <p:sp>
+          <p:nvSpPr>
+            <p:cNvPr id="164" name="CustomShape 7"/>
+            <p:cNvSpPr/>
+            <p:nvPr/>
+          </p:nvSpPr>
+          <p:spPr>
+            <a:xfrm>
+              <a:off x="9334440" y="-8640"/>
+              <a:ext cx="2853000" cy="6865200"/>
+            </a:xfrm>
+            <a:custGeom>
+              <a:avLst/>
+              <a:gdLst/>
+              <a:ahLst/>
+              <a:rect l="l" t="t" r="r" b="b"/>
+              <a:pathLst>
+                <a:path w="2858013" h="6866467">
+                  <a:moveTo>
+                    <a:pt x="0" y="0"/>
+                  </a:moveTo>
+                  <a:lnTo>
+                    <a:pt x="2858013" y="0"/>
+                  </a:lnTo>
+                  <a:lnTo>
+                    <a:pt x="2858013" y="6866467"/>
+                  </a:lnTo>
+                  <a:lnTo>
+                    <a:pt x="2473942" y="6866467"/>
+                  </a:lnTo>
+                  <a:lnTo>
+                    <a:pt x="0" y="0"/>
+                  </a:lnTo>
+                  <a:close/>
+                </a:path>
+              </a:pathLst>
+            </a:custGeom>
+            <a:solidFill>
+              <a:schemeClr val="accent1">
+                <a:lumMod val="75000"/>
+                <a:alpha val="50000"/>
+              </a:schemeClr>
+            </a:solidFill>
+            <a:ln>
+              <a:noFill/>
+            </a:ln>
+            <a:effectLst>
+              <a:outerShdw blurRad="38100" dir="5400000" dist="25560" rotWithShape="0">
+                <a:srgbClr val="000000">
+                  <a:alpha val="35000"/>
+                </a:srgbClr>
+              </a:outerShdw>
+            </a:effectLst>
+          </p:spPr>
+          <p:style>
+            <a:lnRef idx="1">
+              <a:schemeClr val="accent1"/>
+            </a:lnRef>
+            <a:fillRef idx="3">
+              <a:schemeClr val="accent1"/>
+            </a:fillRef>
+            <a:effectRef idx="2">
+              <a:schemeClr val="accent1"/>
+            </a:effectRef>
+            <a:fontRef idx="minor"/>
+          </p:style>
+        </p:sp>
+        <p:sp>
+          <p:nvSpPr>
+            <p:cNvPr id="165" name="CustomShape 8"/>
+            <p:cNvSpPr/>
+            <p:nvPr/>
+          </p:nvSpPr>
+          <p:spPr>
+            <a:xfrm>
+              <a:off x="10898640" y="-8640"/>
+              <a:ext cx="1288800" cy="6865200"/>
+            </a:xfrm>
+            <a:custGeom>
+              <a:avLst/>
+              <a:gdLst/>
+              <a:ahLst/>
+              <a:rect l="l" t="t" r="r" b="b"/>
+              <a:pathLst>
+                <a:path w="1290094" h="6858000">
+                  <a:moveTo>
+                    <a:pt x="1019735" y="0"/>
+                  </a:moveTo>
+                  <a:lnTo>
+                    <a:pt x="1290094" y="0"/>
+                  </a:lnTo>
+                  <a:lnTo>
+                    <a:pt x="1290094" y="6858000"/>
+                  </a:lnTo>
+                  <a:lnTo>
+                    <a:pt x="0" y="6858000"/>
+                  </a:lnTo>
+                  <a:lnTo>
+                    <a:pt x="1019735" y="0"/>
+                  </a:lnTo>
+                  <a:close/>
+                </a:path>
+              </a:pathLst>
+            </a:custGeom>
+            <a:solidFill>
+              <a:schemeClr val="accent2">
+                <a:alpha val="70000"/>
+              </a:schemeClr>
+            </a:solidFill>
+            <a:ln>
+              <a:noFill/>
+            </a:ln>
+            <a:effectLst>
+              <a:outerShdw blurRad="38100" dir="5400000" dist="25560" rotWithShape="0">
+                <a:srgbClr val="000000">
+                  <a:alpha val="35000"/>
+                </a:srgbClr>
+              </a:outerShdw>
+            </a:effectLst>
+          </p:spPr>
+          <p:style>
+            <a:lnRef idx="1">
+              <a:schemeClr val="accent1"/>
+            </a:lnRef>
+            <a:fillRef idx="3">
+              <a:schemeClr val="accent1"/>
+            </a:fillRef>
+            <a:effectRef idx="2">
+              <a:schemeClr val="accent1"/>
+            </a:effectRef>
+            <a:fontRef idx="minor"/>
+          </p:style>
+        </p:sp>
+        <p:sp>
+          <p:nvSpPr>
+            <p:cNvPr id="166" name="CustomShape 9"/>
+            <p:cNvSpPr/>
+            <p:nvPr/>
+          </p:nvSpPr>
+          <p:spPr>
+            <a:xfrm>
+              <a:off x="10938960" y="-8640"/>
+              <a:ext cx="1248480" cy="6865200"/>
+            </a:xfrm>
+            <a:custGeom>
+              <a:avLst/>
+              <a:gdLst/>
+              <a:ahLst/>
+              <a:rect l="l" t="t" r="r" b="b"/>
+              <a:pathLst>
+                <a:path w="1249825" h="6858000">
+                  <a:moveTo>
+                    <a:pt x="0" y="0"/>
+                  </a:moveTo>
+                  <a:lnTo>
+                    <a:pt x="1249825" y="0"/>
+                  </a:lnTo>
+                  <a:lnTo>
+                    <a:pt x="1249825" y="6858000"/>
+                  </a:lnTo>
+                  <a:lnTo>
+                    <a:pt x="1109382" y="6858000"/>
+                  </a:lnTo>
+                  <a:lnTo>
+                    <a:pt x="0" y="0"/>
+                  </a:lnTo>
+                  <a:close/>
+                </a:path>
+              </a:pathLst>
+            </a:custGeom>
+            <a:solidFill>
+              <a:schemeClr val="accent2">
+                <a:lumMod val="75000"/>
+                <a:alpha val="80000"/>
+              </a:schemeClr>
+            </a:solidFill>
+            <a:ln>
+              <a:noFill/>
+            </a:ln>
+            <a:effectLst>
+              <a:outerShdw blurRad="38100" dir="5400000" dist="25560" rotWithShape="0">
+                <a:srgbClr val="000000">
+                  <a:alpha val="35000"/>
+                </a:srgbClr>
+              </a:outerShdw>
+            </a:effectLst>
+          </p:spPr>
+          <p:style>
+            <a:lnRef idx="1">
+              <a:schemeClr val="accent1"/>
+            </a:lnRef>
+            <a:fillRef idx="3">
+              <a:schemeClr val="accent1"/>
+            </a:fillRef>
+            <a:effectRef idx="2">
+              <a:schemeClr val="accent1"/>
+            </a:effectRef>
+            <a:fontRef idx="minor"/>
+          </p:style>
+        </p:sp>
+        <p:sp>
+          <p:nvSpPr>
+            <p:cNvPr id="167" name="CustomShape 10"/>
+            <p:cNvSpPr/>
+            <p:nvPr/>
+          </p:nvSpPr>
+          <p:spPr>
+            <a:xfrm>
+              <a:off x="10371600" y="3589920"/>
+              <a:ext cx="1815840" cy="3266640"/>
+            </a:xfrm>
+            <a:prstGeom prst="triangle">
+              <a:avLst>
+                <a:gd name="adj" fmla="val 100000"/>
+              </a:avLst>
+            </a:prstGeom>
+            <a:solidFill>
+              <a:schemeClr val="accent1">
+                <a:lumMod val="75000"/>
+                <a:alpha val="66000"/>
+              </a:schemeClr>
+            </a:solidFill>
+            <a:ln>
+              <a:noFill/>
+            </a:ln>
+            <a:effectLst>
+              <a:outerShdw blurRad="38100" dir="5400000" dist="25560" rotWithShape="0">
+                <a:srgbClr val="000000">
+                  <a:alpha val="35000"/>
+                </a:srgbClr>
+              </a:outerShdw>
+            </a:effectLst>
+          </p:spPr>
+          <p:style>
+            <a:lnRef idx="1">
+              <a:schemeClr val="accent1"/>
+            </a:lnRef>
+            <a:fillRef idx="3">
+              <a:schemeClr val="accent1"/>
+            </a:fillRef>
+            <a:effectRef idx="2">
+              <a:schemeClr val="accent1"/>
+            </a:effectRef>
+            <a:fontRef idx="minor"/>
+          </p:style>
+        </p:sp>
+        <p:sp>
+          <p:nvSpPr>
+            <p:cNvPr id="168" name="CustomShape 11"/>
+            <p:cNvSpPr/>
+            <p:nvPr/>
+          </p:nvSpPr>
+          <p:spPr>
+            <a:xfrm>
+              <a:off x="0" y="4013280"/>
+              <a:ext cx="447120" cy="2843280"/>
+            </a:xfrm>
+            <a:prstGeom prst="triangle">
+              <a:avLst>
+                <a:gd name="adj" fmla="val 0"/>
+              </a:avLst>
+            </a:prstGeom>
+            <a:solidFill>
+              <a:schemeClr val="accent1">
+                <a:alpha val="70000"/>
+              </a:schemeClr>
+            </a:solidFill>
+            <a:ln>
+              <a:noFill/>
+            </a:ln>
+            <a:effectLst>
+              <a:outerShdw blurRad="38100" dir="5400000" dist="25560" rotWithShape="0">
+                <a:srgbClr val="000000">
+                  <a:alpha val="35000"/>
+                </a:srgbClr>
+              </a:outerShdw>
+            </a:effectLst>
+          </p:spPr>
+          <p:style>
+            <a:lnRef idx="1">
+              <a:schemeClr val="accent1"/>
+            </a:lnRef>
+            <a:fillRef idx="3">
+              <a:schemeClr val="accent1"/>
+            </a:fillRef>
+            <a:effectRef idx="2">
+              <a:schemeClr val="accent1"/>
+            </a:effectRef>
+            <a:fontRef idx="minor"/>
+          </p:style>
+        </p:sp>
+      </p:grpSp>
+      <p:sp>
+        <p:nvSpPr>
+          <p:cNvPr id="169" name="PlaceHolder 12"/>
+          <p:cNvSpPr>
+            <a:spLocks noGrp="1"/>
+          </p:cNvSpPr>
+          <p:nvPr>
+            <p:ph type="title"/>
+          </p:nvPr>
+        </p:nvSpPr>
+        <p:spPr>
+          <a:xfrm>
+            <a:off x="609480" y="273600"/>
+            <a:ext cx="10972440" cy="1144800"/>
+          </a:xfrm>
+          <a:prstGeom prst="rect">
+            <a:avLst/>
+          </a:prstGeom>
+        </p:spPr>
+        <p:txBody>
+          <a:bodyPr lIns="0" rIns="0" tIns="0" bIns="0" anchor="ctr">
+            <a:noAutofit/>
+          </a:bodyPr>
+          <a:p>
+            <a:pPr algn="ctr"/>
+            <a:r>
+              <a:rPr b="0" lang="en-US" sz="4400" spc="-1" strike="noStrike">
+                <a:latin typeface="Arial"/>
+              </a:rPr>
+              <a:t>Click to edit the title text format</a:t>
+            </a:r>
+            <a:endParaRPr b="0" lang="en-US" sz="4400" spc="-1" strike="noStrike">
+              <a:latin typeface="Arial"/>
+            </a:endParaRPr>
+          </a:p>
+        </p:txBody>
+      </p:sp>
+      <p:sp>
+        <p:nvSpPr>
+          <p:cNvPr id="170" name="PlaceHolder 13"/>
+          <p:cNvSpPr>
+            <a:spLocks noGrp="1"/>
+          </p:cNvSpPr>
+          <p:nvPr>
+            <p:ph type="body"/>
+          </p:nvPr>
+        </p:nvSpPr>
+        <p:spPr>
+          <a:xfrm>
+            <a:off x="609480" y="1604520"/>
+            <a:ext cx="10972440" cy="3977280"/>
+          </a:xfrm>
+          <a:prstGeom prst="rect">
+            <a:avLst/>
+          </a:prstGeom>
+        </p:spPr>
+        <p:txBody>
+          <a:bodyPr lIns="0" rIns="0" tIns="0" bIns="0">
+            <a:normAutofit/>
+          </a:bodyPr>
+          <a:p>
+            <a:pPr marL="432000" indent="-324000">
+              <a:spcBef>
+                <a:spcPts val="1417"/>
+              </a:spcBef>
+              <a:buClr>
+                <a:srgbClr val="000000"/>
+              </a:buClr>
+              <a:buSzPct val="45000"/>
+              <a:buFont typeface="Wingdings" charset="2"/>
+              <a:buChar char=""/>
+            </a:pPr>
+            <a:r>
+              <a:rPr b="0" lang="en-US" sz="3200" spc="-1" strike="noStrike">
+                <a:latin typeface="Arial"/>
+              </a:rPr>
+              <a:t>Click to edit the outline text format</a:t>
+            </a:r>
+            <a:endParaRPr b="0" lang="en-US" sz="3200" spc="-1" strike="noStrike">
+              <a:latin typeface="Arial"/>
+            </a:endParaRPr>
+          </a:p>
+          <a:p>
+            <a:pPr lvl="1" marL="864000" indent="-324000">
+              <a:spcBef>
+                <a:spcPts val="1134"/>
+              </a:spcBef>
+              <a:buClr>
+                <a:srgbClr val="000000"/>
+              </a:buClr>
+              <a:buSzPct val="75000"/>
+              <a:buFont typeface="Symbol" charset="2"/>
+              <a:buChar char=""/>
+            </a:pPr>
+            <a:r>
+              <a:rPr b="0" lang="en-US" sz="2800" spc="-1" strike="noStrike">
+                <a:latin typeface="Arial"/>
+              </a:rPr>
+              <a:t>Second Outline Level</a:t>
+            </a:r>
+            <a:endParaRPr b="0" lang="en-US" sz="2800" spc="-1" strike="noStrike">
+              <a:latin typeface="Arial"/>
+            </a:endParaRPr>
+          </a:p>
+          <a:p>
+            <a:pPr lvl="2" marL="1296000" indent="-288000">
+              <a:spcBef>
+                <a:spcPts val="850"/>
+              </a:spcBef>
+              <a:buClr>
+                <a:srgbClr val="000000"/>
+              </a:buClr>
+              <a:buSzPct val="45000"/>
+              <a:buFont typeface="Wingdings" charset="2"/>
+              <a:buChar char=""/>
+            </a:pPr>
+            <a:r>
+              <a:rPr b="0" lang="en-US" sz="2400" spc="-1" strike="noStrike">
+                <a:latin typeface="Arial"/>
+              </a:rPr>
+              <a:t>Third Outline Level</a:t>
+            </a:r>
+            <a:endParaRPr b="0" lang="en-US" sz="2400" spc="-1" strike="noStrike">
+              <a:latin typeface="Arial"/>
+            </a:endParaRPr>
+          </a:p>
+          <a:p>
+            <a:pPr lvl="3" marL="1728000" indent="-216000">
+              <a:spcBef>
+                <a:spcPts val="567"/>
+              </a:spcBef>
+              <a:buClr>
+                <a:srgbClr val="000000"/>
+              </a:buClr>
+              <a:buSzPct val="75000"/>
+              <a:buFont typeface="Symbol" charset="2"/>
+              <a:buChar char=""/>
+            </a:pPr>
+            <a:r>
+              <a:rPr b="0" lang="en-US" sz="2000" spc="-1" strike="noStrike">
+                <a:latin typeface="Arial"/>
+              </a:rPr>
+              <a:t>Fourth Outline Level</a:t>
+            </a:r>
+            <a:endParaRPr b="0" lang="en-US" sz="2000" spc="-1" strike="noStrike">
+              <a:latin typeface="Arial"/>
+            </a:endParaRPr>
+          </a:p>
+          <a:p>
+            <a:pPr lvl="4" marL="2160000" indent="-216000">
+              <a:spcBef>
+                <a:spcPts val="283"/>
+              </a:spcBef>
+              <a:buClr>
+                <a:srgbClr val="000000"/>
+              </a:buClr>
+              <a:buSzPct val="45000"/>
+              <a:buFont typeface="Wingdings" charset="2"/>
+              <a:buChar char=""/>
+            </a:pPr>
+            <a:r>
+              <a:rPr b="0" lang="en-US" sz="2000" spc="-1" strike="noStrike">
+                <a:latin typeface="Arial"/>
+              </a:rPr>
+              <a:t>Fifth Outline Level</a:t>
+            </a:r>
+            <a:endParaRPr b="0" lang="en-US" sz="2000" spc="-1" strike="noStrike">
+              <a:latin typeface="Arial"/>
+            </a:endParaRPr>
+          </a:p>
+          <a:p>
+            <a:pPr lvl="5" marL="2592000" indent="-216000">
+              <a:spcBef>
+                <a:spcPts val="283"/>
+              </a:spcBef>
+              <a:buClr>
+                <a:srgbClr val="000000"/>
+              </a:buClr>
+              <a:buSzPct val="45000"/>
+              <a:buFont typeface="Wingdings" charset="2"/>
+              <a:buChar char=""/>
+            </a:pPr>
+            <a:r>
+              <a:rPr b="0" lang="en-US" sz="2000" spc="-1" strike="noStrike">
+                <a:latin typeface="Arial"/>
+              </a:rPr>
+              <a:t>Sixth Outline Level</a:t>
+            </a:r>
+            <a:endParaRPr b="0" lang="en-US" sz="2000" spc="-1" strike="noStrike">
+              <a:latin typeface="Arial"/>
+            </a:endParaRPr>
+          </a:p>
+          <a:p>
+            <a:pPr lvl="6" marL="3024000" indent="-216000">
+              <a:spcBef>
+                <a:spcPts val="283"/>
+              </a:spcBef>
+              <a:buClr>
+                <a:srgbClr val="000000"/>
+              </a:buClr>
+              <a:buSzPct val="45000"/>
+              <a:buFont typeface="Wingdings" charset="2"/>
+              <a:buChar char=""/>
+            </a:pPr>
+            <a:r>
+              <a:rPr b="0" lang="en-US" sz="2000" spc="-1" strike="noStrike">
+                <a:latin typeface="Arial"/>
+              </a:rPr>
+              <a:t>Seventh Outline Level</a:t>
+            </a:r>
+            <a:endParaRPr b="0" lang="en-US" sz="2000" spc="-1" strike="noStrike">
+              <a:latin typeface="Arial"/>
+            </a:endParaRPr>
+          </a:p>
+        </p:txBody>
+      </p:sp>
+    </p:spTree>
+  </p:cSld>
+  <p:clrMap bg1="lt1" bg2="lt2" tx1="dk1" tx2="dk2" accent1="accent1" accent2="accent2" accent3="accent3" accent4="accent4" accent5="accent5" accent6="accent6" hlink="hlink" folHlink="folHlink"/>
+  <p:sldLayoutIdLst>
+    <p:sldLayoutId id="2147483688" r:id="rId2"/>
+    <p:sldLayoutId id="2147483689" r:id="rId3"/>
+    <p:sldLayoutId id="2147483690" r:id="rId4"/>
+    <p:sldLayoutId id="2147483691" r:id="rId5"/>
+    <p:sldLayoutId id="2147483692" r:id="rId6"/>
+    <p:sldLayoutId id="2147483693" r:id="rId7"/>
+    <p:sldLayoutId id="2147483694" r:id="rId8"/>
+    <p:sldLayoutId id="2147483695" r:id="rId9"/>
+    <p:sldLayoutId id="2147483696" r:id="rId10"/>
+    <p:sldLayoutId id="2147483697" r:id="rId11"/>
+    <p:sldLayoutId id="2147483698" r:id="rId12"/>
+    <p:sldLayoutId id="2147483699" r:id="rId13"/>
+  </p:sldLayoutIdLst>
+</p:sldMaster>
+</file>
+
 <file path=ppt/slides/slide1.xml><?xml version="1.0" encoding="utf-8"?>
 <p:sld xmlns:a="http://schemas.openxmlformats.org/drawingml/2006/main" xmlns:p="http://schemas.openxmlformats.org/presentationml/2006/main" xmlns:r="http://schemas.openxmlformats.org/officeDocument/2006/relationships" xmlns:p14="http://schemas.microsoft.com/office/powerpoint/2010/main" xmlns:p15="http://schemas.microsoft.com/office/powerpoint/2012/main" xmlns:mc="http://schemas.openxmlformats.org/markup-compatibility/2006">
   <p:cSld>
@@ -7135,14 +9309,14 @@
       </p:grpSpPr>
       <p:sp>
         <p:nvSpPr>
-          <p:cNvPr id="158" name="CustomShape 1"/>
+          <p:cNvPr id="207" name="CustomShape 1"/>
           <p:cNvSpPr/>
           <p:nvPr/>
         </p:nvSpPr>
         <p:spPr>
           <a:xfrm>
             <a:off x="1506960" y="2404440"/>
-            <a:ext cx="7766280" cy="1645560"/>
+            <a:ext cx="7765560" cy="1644840"/>
           </a:xfrm>
           <a:prstGeom prst="rect">
             <a:avLst/>
@@ -7174,6 +9348,7 @@
                   <a:srgbClr val="5fcbef"/>
                 </a:solidFill>
                 <a:latin typeface="Trebuchet MS"/>
+                <a:ea typeface="DejaVu Sans"/>
               </a:rPr>
               <a:t>Машина за коктейли</a:t>
             </a:r>
@@ -7185,14 +9360,14 @@
       </p:sp>
       <p:sp>
         <p:nvSpPr>
-          <p:cNvPr id="159" name="CustomShape 2"/>
+          <p:cNvPr id="208" name="CustomShape 2"/>
           <p:cNvSpPr/>
           <p:nvPr/>
         </p:nvSpPr>
         <p:spPr>
           <a:xfrm>
             <a:off x="1506960" y="4050720"/>
-            <a:ext cx="7766280" cy="1096200"/>
+            <a:ext cx="7765560" cy="1095480"/>
           </a:xfrm>
           <a:prstGeom prst="rect">
             <a:avLst/>
@@ -7230,6 +9405,7 @@
                   <a:srgbClr val="808080"/>
                 </a:solidFill>
                 <a:latin typeface="Trebuchet MS"/>
+                <a:ea typeface="DejaVu Sans"/>
               </a:rPr>
               <a:t>Мартин Дамянов и</a:t>
             </a:r>
@@ -7239,6 +9415,7 @@
                   <a:srgbClr val="808080"/>
                 </a:solidFill>
                 <a:latin typeface="Trebuchet MS"/>
+                <a:ea typeface="DejaVu Sans"/>
               </a:rPr>
               <a:t> </a:t>
             </a:r>
@@ -7248,6 +9425,7 @@
                   <a:srgbClr val="808080"/>
                 </a:solidFill>
                 <a:latin typeface="Trebuchet MS"/>
+                <a:ea typeface="DejaVu Sans"/>
               </a:rPr>
               <a:t>Владислав Колев</a:t>
             </a:r>
@@ -7289,14 +9467,170 @@
       </p:grpSpPr>
       <p:sp>
         <p:nvSpPr>
-          <p:cNvPr id="176" name="CustomShape 1"/>
+          <p:cNvPr id="225" name="CustomShape 1"/>
           <p:cNvSpPr/>
           <p:nvPr/>
         </p:nvSpPr>
         <p:spPr>
           <a:xfrm>
+            <a:off x="677160" y="609480"/>
+            <a:ext cx="8595360" cy="1319400"/>
+          </a:xfrm>
+          <a:prstGeom prst="rect">
+            <a:avLst/>
+          </a:prstGeom>
+          <a:noFill/>
+          <a:ln>
+            <a:noFill/>
+          </a:ln>
+        </p:spPr>
+        <p:style>
+          <a:lnRef idx="0"/>
+          <a:fillRef idx="0"/>
+          <a:effectRef idx="0"/>
+          <a:fontRef idx="minor"/>
+        </p:style>
+        <p:txBody>
+          <a:bodyPr lIns="90000" rIns="90000" tIns="45000" bIns="45000">
+            <a:noAutofit/>
+          </a:bodyPr>
+          <a:p>
+            <a:pPr>
+              <a:lnSpc>
+                <a:spcPct val="100000"/>
+              </a:lnSpc>
+            </a:pPr>
+            <a:r>
+              <a:rPr b="0" lang="bg-BG" sz="3600" spc="-1" strike="noStrike">
+                <a:solidFill>
+                  <a:srgbClr val="5fcbef"/>
+                </a:solidFill>
+                <a:latin typeface="Trebuchet MS"/>
+                <a:ea typeface="DejaVu Sans"/>
+              </a:rPr>
+              <a:t>Заключение</a:t>
+            </a:r>
+            <a:endParaRPr b="0" lang="en-US" sz="3600" spc="-1" strike="noStrike">
+              <a:latin typeface="Arial"/>
+            </a:endParaRPr>
+          </a:p>
+        </p:txBody>
+      </p:sp>
+      <p:sp>
+        <p:nvSpPr>
+          <p:cNvPr id="226" name="CustomShape 2"/>
+          <p:cNvSpPr/>
+          <p:nvPr/>
+        </p:nvSpPr>
+        <p:spPr>
+          <a:xfrm>
+            <a:off x="677160" y="2160720"/>
+            <a:ext cx="8595360" cy="3879360"/>
+          </a:xfrm>
+          <a:prstGeom prst="rect">
+            <a:avLst/>
+          </a:prstGeom>
+          <a:noFill/>
+          <a:ln>
+            <a:noFill/>
+          </a:ln>
+        </p:spPr>
+        <p:style>
+          <a:lnRef idx="0"/>
+          <a:fillRef idx="0"/>
+          <a:effectRef idx="0"/>
+          <a:fontRef idx="minor"/>
+        </p:style>
+        <p:txBody>
+          <a:bodyPr lIns="90000" rIns="90000" tIns="45000" bIns="45000">
+            <a:noAutofit/>
+          </a:bodyPr>
+          <a:p>
+            <a:pPr>
+              <a:lnSpc>
+                <a:spcPct val="100000"/>
+              </a:lnSpc>
+            </a:pPr>
+            <a:r>
+              <a:rPr b="0" lang="bg-BG" sz="1800" spc="-1" strike="noStrike">
+                <a:solidFill>
+                  <a:srgbClr val="404040"/>
+                </a:solidFill>
+                <a:latin typeface="Trebuchet MS"/>
+                <a:ea typeface="DejaVu Sans"/>
+              </a:rPr>
+              <a:t>Уреди като нашият проект все още не са толкова разпространени по пазара и има път за развитие. Такива устройства могат да помагат в браншовете на ресторантьорството и барманството, могат да се слагат в хотелите или много други.</a:t>
+            </a:r>
+            <a:endParaRPr b="0" lang="en-US" sz="1800" spc="-1" strike="noStrike">
+              <a:latin typeface="Arial"/>
+            </a:endParaRPr>
+          </a:p>
+          <a:p>
+            <a:pPr>
+              <a:lnSpc>
+                <a:spcPct val="100000"/>
+              </a:lnSpc>
+            </a:pPr>
+            <a:r>
+              <a:rPr b="0" lang="bg-BG" sz="1800" spc="-1" strike="noStrike">
+                <a:solidFill>
+                  <a:srgbClr val="404040"/>
+                </a:solidFill>
+                <a:latin typeface="Trebuchet MS"/>
+                <a:ea typeface="DejaVu Sans"/>
+              </a:rPr>
+              <a:t>Също така винаги става и за употреба в домашни условия за хора, които не са наясно как точно се правят коктейли.</a:t>
+            </a:r>
+            <a:endParaRPr b="0" lang="en-US" sz="1800" spc="-1" strike="noStrike">
+              <a:latin typeface="Arial"/>
+            </a:endParaRPr>
+          </a:p>
+        </p:txBody>
+      </p:sp>
+    </p:spTree>
+  </p:cSld>
+  <mc:AlternateContent>
+    <mc:Choice Requires="p14">
+      <p:transition spd="slow" p14:dur="2000">
+        <p:fade thruBlk="true"/>
+      </p:transition>
+    </mc:Choice>
+    <mc:Fallback>
+      <p:transition spd="slow">
+        <p:fade thruBlk="true"/>
+      </p:transition>
+    </mc:Fallback>
+  </mc:AlternateContent>
+</p:sld>
+</file>
+
+<file path=ppt/slides/slide11.xml><?xml version="1.0" encoding="utf-8"?>
+<p:sld xmlns:a="http://schemas.openxmlformats.org/drawingml/2006/main" xmlns:p="http://schemas.openxmlformats.org/presentationml/2006/main" xmlns:r="http://schemas.openxmlformats.org/officeDocument/2006/relationships" xmlns:p14="http://schemas.microsoft.com/office/powerpoint/2010/main" xmlns:p15="http://schemas.microsoft.com/office/powerpoint/2012/main" xmlns:mc="http://schemas.openxmlformats.org/markup-compatibility/2006">
+  <p:cSld>
+    <p:spTree>
+      <p:nvGrpSpPr>
+        <p:cNvPr id="1" name=""/>
+        <p:cNvGrpSpPr/>
+        <p:nvPr/>
+      </p:nvGrpSpPr>
+      <p:grpSpPr>
+        <a:xfrm>
+          <a:off x="0" y="0"/>
+          <a:ext cx="0" cy="0"/>
+          <a:chOff x="0" y="0"/>
+          <a:chExt cx="0" cy="0"/>
+        </a:xfrm>
+      </p:grpSpPr>
+      <p:sp>
+        <p:nvSpPr>
+          <p:cNvPr id="227" name="CustomShape 1"/>
+          <p:cNvSpPr/>
+          <p:nvPr/>
+        </p:nvSpPr>
+        <p:spPr>
+          <a:xfrm>
             <a:off x="677160" y="2700720"/>
-            <a:ext cx="8596080" cy="1825920"/>
+            <a:ext cx="8595360" cy="1825200"/>
           </a:xfrm>
           <a:prstGeom prst="rect">
             <a:avLst/>
@@ -7328,6 +9662,7 @@
                   <a:srgbClr val="5fcbef"/>
                 </a:solidFill>
                 <a:latin typeface="Trebuchet MS"/>
+                <a:ea typeface="DejaVu Sans"/>
               </a:rPr>
               <a:t>Благодарим за вниманието!</a:t>
             </a:r>
@@ -7339,14 +9674,14 @@
       </p:sp>
       <p:sp>
         <p:nvSpPr>
-          <p:cNvPr id="177" name="CustomShape 2"/>
+          <p:cNvPr id="228" name="CustomShape 2"/>
           <p:cNvSpPr/>
           <p:nvPr/>
         </p:nvSpPr>
         <p:spPr>
           <a:xfrm>
             <a:off x="677160" y="5120640"/>
-            <a:ext cx="8596080" cy="266400"/>
+            <a:ext cx="8595360" cy="265680"/>
           </a:xfrm>
           <a:prstGeom prst="rect">
             <a:avLst/>
@@ -7367,10 +9702,14 @@
   </p:cSld>
   <mc:AlternateContent>
     <mc:Choice Requires="p14">
-      <p:transition spd="slow" p14:dur="2000"/>
+      <p:transition spd="slow" p14:dur="2000">
+        <p:randomBar dir="vert"/>
+      </p:transition>
     </mc:Choice>
     <mc:Fallback>
-      <p:transition spd="slow"/>
+      <p:transition spd="slow">
+        <p:randomBar dir="vert"/>
+      </p:transition>
     </mc:Fallback>
   </mc:AlternateContent>
 </p:sld>
@@ -7395,14 +9734,14 @@
       </p:grpSpPr>
       <p:sp>
         <p:nvSpPr>
-          <p:cNvPr id="160" name="CustomShape 1"/>
+          <p:cNvPr id="209" name="CustomShape 1"/>
           <p:cNvSpPr/>
           <p:nvPr/>
         </p:nvSpPr>
         <p:spPr>
           <a:xfrm>
             <a:off x="677160" y="609480"/>
-            <a:ext cx="8596080" cy="1320120"/>
+            <a:ext cx="8595360" cy="1319400"/>
           </a:xfrm>
           <a:prstGeom prst="rect">
             <a:avLst/>
@@ -7434,6 +9773,7 @@
                   <a:srgbClr val="5fcbef"/>
                 </a:solidFill>
                 <a:latin typeface="Trebuchet MS"/>
+                <a:ea typeface="DejaVu Sans"/>
               </a:rPr>
               <a:t>От къде дойде идеята</a:t>
             </a:r>
@@ -7445,14 +9785,14 @@
       </p:sp>
       <p:sp>
         <p:nvSpPr>
-          <p:cNvPr id="161" name="CustomShape 2"/>
+          <p:cNvPr id="210" name="CustomShape 2"/>
           <p:cNvSpPr/>
           <p:nvPr/>
         </p:nvSpPr>
         <p:spPr>
           <a:xfrm>
             <a:off x="677160" y="2160720"/>
-            <a:ext cx="8596080" cy="3880080"/>
+            <a:ext cx="8595360" cy="3879360"/>
           </a:xfrm>
           <a:prstGeom prst="rect">
             <a:avLst/>
@@ -7473,7 +9813,7 @@
             <a:normAutofit/>
           </a:bodyPr>
           <a:p>
-            <a:pPr marL="343080" indent="-342360">
+            <a:pPr marL="343080" indent="-341640">
               <a:lnSpc>
                 <a:spcPct val="100000"/>
               </a:lnSpc>
@@ -7493,6 +9833,7 @@
                   <a:srgbClr val="404040"/>
                 </a:solidFill>
                 <a:latin typeface="Trebuchet MS"/>
+                <a:ea typeface="DejaVu Sans"/>
               </a:rPr>
               <a:t>Имахме желание да направим </a:t>
             </a:r>
@@ -7502,6 +9843,7 @@
                   <a:srgbClr val="404040"/>
                 </a:solidFill>
                 <a:latin typeface="Trebuchet MS"/>
+                <a:ea typeface="DejaVu Sans"/>
               </a:rPr>
               <a:t>party box, </a:t>
             </a:r>
@@ -7511,6 +9853,7 @@
                   <a:srgbClr val="404040"/>
                 </a:solidFill>
                 <a:latin typeface="Trebuchet MS"/>
+                <a:ea typeface="DejaVu Sans"/>
               </a:rPr>
               <a:t>която да взимаме на партита, за да се тонизираме и охладим през летните жеги. И решихме да направим машина, която прави коктейли по зададеното ни желание и сервира избраната напитка. </a:t>
             </a:r>
@@ -7524,10 +9867,14 @@
   </p:cSld>
   <mc:AlternateContent>
     <mc:Choice Requires="p14">
-      <p:transition spd="slow" p14:dur="2000"/>
+      <p:transition spd="slow" p14:dur="2000">
+        <p:pull dir="d"/>
+      </p:transition>
     </mc:Choice>
     <mc:Fallback>
-      <p:transition spd="slow"/>
+      <p:transition spd="slow">
+        <p:pull dir="d"/>
+      </p:transition>
     </mc:Fallback>
   </mc:AlternateContent>
 </p:sld>
@@ -7552,14 +9899,14 @@
       </p:grpSpPr>
       <p:sp>
         <p:nvSpPr>
-          <p:cNvPr id="162" name="CustomShape 1"/>
+          <p:cNvPr id="211" name="CustomShape 1"/>
           <p:cNvSpPr/>
           <p:nvPr/>
         </p:nvSpPr>
         <p:spPr>
           <a:xfrm>
             <a:off x="677160" y="609480"/>
-            <a:ext cx="8596080" cy="1320120"/>
+            <a:ext cx="8595360" cy="1319400"/>
           </a:xfrm>
           <a:prstGeom prst="rect">
             <a:avLst/>
@@ -7591,6 +9938,7 @@
                   <a:srgbClr val="5fcbef"/>
                 </a:solidFill>
                 <a:latin typeface="Trebuchet MS"/>
+                <a:ea typeface="DejaVu Sans"/>
               </a:rPr>
               <a:t>Какво има вече произведено на пазара </a:t>
             </a:r>
@@ -7602,14 +9950,14 @@
       </p:sp>
       <p:sp>
         <p:nvSpPr>
-          <p:cNvPr id="163" name="CustomShape 2"/>
+          <p:cNvPr id="212" name="CustomShape 2"/>
           <p:cNvSpPr/>
           <p:nvPr/>
         </p:nvSpPr>
         <p:spPr>
           <a:xfrm>
             <a:off x="677160" y="1930320"/>
-            <a:ext cx="8596080" cy="4110120"/>
+            <a:ext cx="8595360" cy="4109400"/>
           </a:xfrm>
           <a:prstGeom prst="rect">
             <a:avLst/>
@@ -7630,7 +9978,7 @@
             <a:normAutofit fontScale="94000"/>
           </a:bodyPr>
           <a:p>
-            <a:pPr marL="343080" indent="-342360">
+            <a:pPr marL="343080" indent="-341640">
               <a:lnSpc>
                 <a:spcPct val="100000"/>
               </a:lnSpc>
@@ -7650,6 +9998,7 @@
                   <a:srgbClr val="404040"/>
                 </a:solidFill>
                 <a:latin typeface="Trebuchet MS"/>
+                <a:ea typeface="DejaVu Sans"/>
               </a:rPr>
               <a:t>На пазара няма голямо разнообразие от такъв вид машини, а малкото от тези, които ги има са на крайно високи цени от порядъка на </a:t>
             </a:r>
@@ -7659,6 +10008,7 @@
                   <a:srgbClr val="404040"/>
                 </a:solidFill>
                 <a:latin typeface="Trebuchet MS"/>
+                <a:ea typeface="DejaVu Sans"/>
               </a:rPr>
               <a:t>$</a:t>
             </a:r>
@@ -7668,6 +10018,7 @@
                   <a:srgbClr val="404040"/>
                 </a:solidFill>
                 <a:latin typeface="Trebuchet MS"/>
+                <a:ea typeface="DejaVu Sans"/>
               </a:rPr>
               <a:t>300 – </a:t>
             </a:r>
@@ -7677,6 +10028,7 @@
                   <a:srgbClr val="404040"/>
                 </a:solidFill>
                 <a:latin typeface="Trebuchet MS"/>
+                <a:ea typeface="DejaVu Sans"/>
               </a:rPr>
               <a:t>$</a:t>
             </a:r>
@@ -7686,6 +10038,7 @@
                   <a:srgbClr val="404040"/>
                 </a:solidFill>
                 <a:latin typeface="Trebuchet MS"/>
+                <a:ea typeface="DejaVu Sans"/>
               </a:rPr>
               <a:t>350.</a:t>
             </a:r>
@@ -7694,7 +10047,7 @@
             </a:endParaRPr>
           </a:p>
           <a:p>
-            <a:pPr marL="343080" indent="-342360">
+            <a:pPr marL="343080" indent="-341640">
               <a:lnSpc>
                 <a:spcPct val="100000"/>
               </a:lnSpc>
@@ -7714,6 +10067,7 @@
                   <a:srgbClr val="404040"/>
                 </a:solidFill>
                 <a:latin typeface="Trebuchet MS"/>
+                <a:ea typeface="DejaVu Sans"/>
               </a:rPr>
               <a:t>Машините предлагани на пазара използват специални капсули, които са скъпи и трудно се намират в България. Нашият проект не използва готово приготвени капсули, а директно сипва от резервоарите пълни с различните течности. </a:t>
             </a:r>
@@ -7722,7 +10076,7 @@
             </a:endParaRPr>
           </a:p>
           <a:p>
-            <a:pPr marL="343080" indent="-342360">
+            <a:pPr marL="343080" indent="-341640">
               <a:lnSpc>
                 <a:spcPct val="100000"/>
               </a:lnSpc>
@@ -7742,8 +10096,9 @@
                   <a:srgbClr val="404040"/>
                 </a:solidFill>
                 <a:latin typeface="Trebuchet MS"/>
+                <a:ea typeface="DejaVu Sans"/>
               </a:rPr>
-              <a:t>Освен това машината ни възлиза на цена от 76 лева. Освен това</a:t>
+              <a:t>Освен това машината ни възлиза на цена от 76 лева – в пъти по-малко от тази на пазара.</a:t>
             </a:r>
             <a:endParaRPr b="0" lang="en-US" sz="2400" spc="-1" strike="noStrike">
               <a:latin typeface="Arial"/>
@@ -7755,10 +10110,14 @@
   </p:cSld>
   <mc:AlternateContent>
     <mc:Choice Requires="p14">
-      <p:transition spd="slow" p14:dur="2000"/>
+      <p:transition spd="slow" p14:dur="2000">
+        <p:wipe dir="u"/>
+      </p:transition>
     </mc:Choice>
     <mc:Fallback>
-      <p:transition spd="slow"/>
+      <p:transition spd="slow">
+        <p:wipe dir="u"/>
+      </p:transition>
     </mc:Fallback>
   </mc:AlternateContent>
 </p:sld>
@@ -7783,14 +10142,14 @@
       </p:grpSpPr>
       <p:sp>
         <p:nvSpPr>
-          <p:cNvPr id="164" name="CustomShape 1"/>
+          <p:cNvPr id="213" name="CustomShape 1"/>
           <p:cNvSpPr/>
           <p:nvPr/>
         </p:nvSpPr>
         <p:spPr>
           <a:xfrm>
             <a:off x="691920" y="304920"/>
-            <a:ext cx="8596080" cy="768600"/>
+            <a:ext cx="8595360" cy="767880"/>
           </a:xfrm>
           <a:prstGeom prst="rect">
             <a:avLst/>
@@ -7822,6 +10181,7 @@
                   <a:srgbClr val="5fcbef"/>
                 </a:solidFill>
                 <a:latin typeface="Trebuchet MS"/>
+                <a:ea typeface="DejaVu Sans"/>
               </a:rPr>
               <a:t>Блокова схема на свързване</a:t>
             </a:r>
@@ -7833,7 +10193,7 @@
       </p:sp>
       <p:pic>
         <p:nvPicPr>
-          <p:cNvPr id="165" name="Picture 2" descr=""/>
+          <p:cNvPr id="214" name="Picture 2" descr=""/>
           <p:cNvPicPr/>
           <p:nvPr/>
         </p:nvPicPr>
@@ -7844,7 +10204,7 @@
         <p:spPr>
           <a:xfrm>
             <a:off x="3080520" y="1281240"/>
-            <a:ext cx="5942880" cy="5194800"/>
+            <a:ext cx="5942160" cy="5194080"/>
           </a:xfrm>
           <a:prstGeom prst="rect">
             <a:avLst/>
@@ -7880,10 +10240,14 @@
   </p:cSld>
   <mc:AlternateContent>
     <mc:Choice Requires="p14">
-      <p:transition spd="slow" p14:dur="2000"/>
+      <p:transition spd="slow" p14:dur="2000">
+        <p:dissolve/>
+      </p:transition>
     </mc:Choice>
     <mc:Fallback>
-      <p:transition spd="slow"/>
+      <p:transition spd="slow">
+        <p:dissolve/>
+      </p:transition>
     </mc:Fallback>
   </mc:AlternateContent>
 </p:sld>
@@ -7908,14 +10272,14 @@
       </p:grpSpPr>
       <p:sp>
         <p:nvSpPr>
-          <p:cNvPr id="166" name="CustomShape 1"/>
+          <p:cNvPr id="215" name="CustomShape 1"/>
           <p:cNvSpPr/>
           <p:nvPr/>
         </p:nvSpPr>
         <p:spPr>
           <a:xfrm>
             <a:off x="677160" y="609480"/>
-            <a:ext cx="8596080" cy="797400"/>
+            <a:ext cx="8595360" cy="796680"/>
           </a:xfrm>
           <a:prstGeom prst="rect">
             <a:avLst/>
@@ -7947,6 +10311,7 @@
                   <a:srgbClr val="5fcbef"/>
                 </a:solidFill>
                 <a:latin typeface="Trebuchet MS"/>
+                <a:ea typeface="DejaVu Sans"/>
               </a:rPr>
               <a:t>Принципна електрическа схема</a:t>
             </a:r>
@@ -7958,7 +10323,7 @@
       </p:sp>
       <p:pic>
         <p:nvPicPr>
-          <p:cNvPr id="167" name="Picture 5" descr=""/>
+          <p:cNvPr id="216" name="Picture 5" descr=""/>
           <p:cNvPicPr/>
           <p:nvPr/>
         </p:nvPicPr>
@@ -7969,7 +10334,7 @@
         <p:spPr>
           <a:xfrm>
             <a:off x="2122560" y="1669320"/>
-            <a:ext cx="5942880" cy="4370040"/>
+            <a:ext cx="5942160" cy="4369320"/>
           </a:xfrm>
           <a:prstGeom prst="rect">
             <a:avLst/>
@@ -8005,10 +10370,14 @@
   </p:cSld>
   <mc:AlternateContent>
     <mc:Choice Requires="p14">
-      <p:transition spd="slow" p14:dur="2000"/>
+      <p:transition spd="slow" p14:dur="2000">
+        <p:cover dir="d"/>
+      </p:transition>
     </mc:Choice>
     <mc:Fallback>
-      <p:transition spd="slow"/>
+      <p:transition spd="slow">
+        <p:cover dir="d"/>
+      </p:transition>
     </mc:Fallback>
   </mc:AlternateContent>
 </p:sld>
@@ -8033,14 +10402,14 @@
       </p:grpSpPr>
       <p:sp>
         <p:nvSpPr>
-          <p:cNvPr id="168" name="CustomShape 1"/>
+          <p:cNvPr id="217" name="CustomShape 1"/>
           <p:cNvSpPr/>
           <p:nvPr/>
         </p:nvSpPr>
         <p:spPr>
           <a:xfrm>
             <a:off x="677160" y="609480"/>
-            <a:ext cx="4198680" cy="1320120"/>
+            <a:ext cx="4197960" cy="1319400"/>
           </a:xfrm>
           <a:prstGeom prst="rect">
             <a:avLst/>
@@ -8072,6 +10441,7 @@
                   <a:srgbClr val="5fcbef"/>
                 </a:solidFill>
                 <a:latin typeface="Trebuchet MS"/>
+                <a:ea typeface="DejaVu Sans"/>
               </a:rPr>
               <a:t>Логическа блок</a:t>
             </a:r>
@@ -8082,6 +10452,7 @@
                   <a:srgbClr val="5fcbef"/>
                 </a:solidFill>
                 <a:latin typeface="Trebuchet MS"/>
+                <a:ea typeface="DejaVu Sans"/>
               </a:rPr>
               <a:t>схема</a:t>
             </a:r>
@@ -8093,7 +10464,7 @@
       </p:sp>
       <p:pic>
         <p:nvPicPr>
-          <p:cNvPr id="169" name="Картина 3" descr=""/>
+          <p:cNvPr id="218" name="Картина 3" descr=""/>
           <p:cNvPicPr/>
           <p:nvPr/>
         </p:nvPicPr>
@@ -8104,7 +10475,7 @@
         <p:spPr>
           <a:xfrm>
             <a:off x="5673960" y="164880"/>
-            <a:ext cx="5085720" cy="6397920"/>
+            <a:ext cx="5085000" cy="6397200"/>
           </a:xfrm>
           <a:prstGeom prst="rect">
             <a:avLst/>
@@ -8146,14 +10517,14 @@
       </p:grpSpPr>
       <p:sp>
         <p:nvSpPr>
-          <p:cNvPr id="170" name="CustomShape 1"/>
+          <p:cNvPr id="219" name="CustomShape 1"/>
           <p:cNvSpPr/>
           <p:nvPr/>
         </p:nvSpPr>
         <p:spPr>
           <a:xfrm>
             <a:off x="677160" y="609480"/>
-            <a:ext cx="8596080" cy="1320120"/>
+            <a:ext cx="8595360" cy="1319400"/>
           </a:xfrm>
           <a:prstGeom prst="rect">
             <a:avLst/>
@@ -8185,6 +10556,7 @@
                   <a:srgbClr val="5fcbef"/>
                 </a:solidFill>
                 <a:latin typeface="Trebuchet MS"/>
+                <a:ea typeface="DejaVu Sans"/>
               </a:rPr>
               <a:t>Демо</a:t>
             </a:r>
@@ -8196,14 +10568,14 @@
       </p:sp>
       <p:sp>
         <p:nvSpPr>
-          <p:cNvPr id="171" name="CustomShape 2"/>
+          <p:cNvPr id="220" name="CustomShape 2"/>
           <p:cNvSpPr/>
           <p:nvPr/>
         </p:nvSpPr>
         <p:spPr>
           <a:xfrm>
             <a:off x="677160" y="2160720"/>
-            <a:ext cx="8596080" cy="3880080"/>
+            <a:ext cx="8595360" cy="3879360"/>
           </a:xfrm>
           <a:prstGeom prst="rect">
             <a:avLst/>
@@ -8224,10 +10596,14 @@
   </p:cSld>
   <mc:AlternateContent>
     <mc:Choice Requires="p14">
-      <p:transition spd="slow" p14:dur="2000"/>
+      <p:transition spd="slow" p14:dur="2000">
+        <p:comb dir="horz"/>
+      </p:transition>
     </mc:Choice>
     <mc:Fallback>
-      <p:transition spd="slow"/>
+      <p:transition spd="slow">
+        <p:comb dir="horz"/>
+      </p:transition>
     </mc:Fallback>
   </mc:AlternateContent>
 </p:sld>
@@ -8252,14 +10628,14 @@
       </p:grpSpPr>
       <p:sp>
         <p:nvSpPr>
-          <p:cNvPr id="172" name="CustomShape 1"/>
+          <p:cNvPr id="221" name="CustomShape 1"/>
           <p:cNvSpPr/>
           <p:nvPr/>
         </p:nvSpPr>
         <p:spPr>
           <a:xfrm>
             <a:off x="677160" y="609480"/>
-            <a:ext cx="8596080" cy="1320120"/>
+            <a:ext cx="8595360" cy="1319400"/>
           </a:xfrm>
           <a:prstGeom prst="rect">
             <a:avLst/>
@@ -8291,6 +10667,7 @@
                   <a:srgbClr val="5fcbef"/>
                 </a:solidFill>
                 <a:latin typeface="Trebuchet MS"/>
+                <a:ea typeface="DejaVu Sans"/>
               </a:rPr>
               <a:t>Какви проблеми имахме</a:t>
             </a:r>
@@ -8302,14 +10679,14 @@
       </p:sp>
       <p:sp>
         <p:nvSpPr>
-          <p:cNvPr id="173" name="CustomShape 2"/>
+          <p:cNvPr id="222" name="CustomShape 2"/>
           <p:cNvSpPr/>
           <p:nvPr/>
         </p:nvSpPr>
         <p:spPr>
           <a:xfrm>
             <a:off x="677160" y="2160720"/>
-            <a:ext cx="8596080" cy="3880080"/>
+            <a:ext cx="8595360" cy="3879360"/>
           </a:xfrm>
           <a:prstGeom prst="rect">
             <a:avLst/>
@@ -8330,7 +10707,7 @@
             <a:noAutofit/>
           </a:bodyPr>
           <a:p>
-            <a:pPr marL="343080" indent="-342360">
+            <a:pPr marL="343080" indent="-341640">
               <a:lnSpc>
                 <a:spcPct val="100000"/>
               </a:lnSpc>
@@ -8350,6 +10727,7 @@
                   <a:srgbClr val="404040"/>
                 </a:solidFill>
                 <a:latin typeface="Trebuchet MS"/>
+                <a:ea typeface="DejaVu Sans"/>
               </a:rPr>
               <a:t>Проблеми с </a:t>
             </a:r>
@@ -8359,6 +10737,7 @@
                   <a:srgbClr val="404040"/>
                 </a:solidFill>
                 <a:latin typeface="Trebuchet MS"/>
+                <a:ea typeface="DejaVu Sans"/>
               </a:rPr>
               <a:t>Arduino IDE. Б</a:t>
             </a:r>
@@ -8368,6 +10747,7 @@
                   <a:srgbClr val="404040"/>
                 </a:solidFill>
                 <a:latin typeface="Trebuchet MS"/>
+                <a:ea typeface="DejaVu Sans"/>
               </a:rPr>
               <a:t>иблиотеките не искаха да се зареждат, поради което преминахме на платформата </a:t>
             </a:r>
@@ -8377,6 +10757,7 @@
                   <a:srgbClr val="404040"/>
                 </a:solidFill>
                 <a:latin typeface="Trebuchet MS"/>
+                <a:ea typeface="DejaVu Sans"/>
               </a:rPr>
               <a:t>Platformio. </a:t>
             </a:r>
@@ -8386,6 +10767,7 @@
                   <a:srgbClr val="404040"/>
                 </a:solidFill>
                 <a:latin typeface="Trebuchet MS"/>
+                <a:ea typeface="DejaVu Sans"/>
               </a:rPr>
               <a:t>Имахме проблеми и с товарната клетка – даваше нелинейни резултати(от положителни изведнъж връща отрицателни числа), Също така не знаехме, че пиновете 0 и 1 са специални и ни връщаше грешка когато искахме да качим код. Хардуерни проблеми с Ардуиното – в последния момент(най-вероятно намокрени пинове, поради което дава късо и ардуиното се рестартира).</a:t>
             </a:r>
@@ -8399,10 +10781,14 @@
   </p:cSld>
   <mc:AlternateContent>
     <mc:Choice Requires="p14">
-      <p:transition spd="slow" p14:dur="2000"/>
+      <p:transition spd="slow" p14:dur="2000">
+        <p:wheel spokes="1"/>
+      </p:transition>
     </mc:Choice>
     <mc:Fallback>
-      <p:transition spd="slow"/>
+      <p:transition spd="slow">
+        <p:wheel spokes="1"/>
+      </p:transition>
     </mc:Fallback>
   </mc:AlternateContent>
 </p:sld>
@@ -8427,14 +10813,14 @@
       </p:grpSpPr>
       <p:sp>
         <p:nvSpPr>
-          <p:cNvPr id="174" name="CustomShape 1"/>
+          <p:cNvPr id="223" name="CustomShape 1"/>
           <p:cNvSpPr/>
           <p:nvPr/>
         </p:nvSpPr>
         <p:spPr>
           <a:xfrm>
             <a:off x="677160" y="609480"/>
-            <a:ext cx="8596080" cy="1320120"/>
+            <a:ext cx="8595360" cy="1319400"/>
           </a:xfrm>
           <a:prstGeom prst="rect">
             <a:avLst/>
@@ -8466,6 +10852,7 @@
                   <a:srgbClr val="5fcbef"/>
                 </a:solidFill>
                 <a:latin typeface="Trebuchet MS"/>
+                <a:ea typeface="DejaVu Sans"/>
               </a:rPr>
               <a:t>С какво най-много се гордеем</a:t>
             </a:r>
@@ -8477,14 +10864,14 @@
       </p:sp>
       <p:sp>
         <p:nvSpPr>
-          <p:cNvPr id="175" name="CustomShape 2"/>
+          <p:cNvPr id="224" name="CustomShape 2"/>
           <p:cNvSpPr/>
           <p:nvPr/>
         </p:nvSpPr>
         <p:spPr>
           <a:xfrm>
             <a:off x="677160" y="2160720"/>
-            <a:ext cx="8596080" cy="3880080"/>
+            <a:ext cx="8595360" cy="3879360"/>
           </a:xfrm>
           <a:prstGeom prst="rect">
             <a:avLst/>
@@ -8505,7 +10892,7 @@
             <a:noAutofit/>
           </a:bodyPr>
           <a:p>
-            <a:pPr marL="343080" indent="-342360">
+            <a:pPr marL="343080" indent="-341640">
               <a:lnSpc>
                 <a:spcPct val="100000"/>
               </a:lnSpc>
@@ -8525,6 +10912,7 @@
                   <a:srgbClr val="404040"/>
                 </a:solidFill>
                 <a:latin typeface="Trebuchet MS"/>
+                <a:ea typeface="DejaVu Sans"/>
               </a:rPr>
               <a:t>Гордеем се най-много с това, че успяхме да направим главната функционалност на кода.</a:t>
             </a:r>
@@ -8533,7 +10921,7 @@
             </a:endParaRPr>
           </a:p>
           <a:p>
-            <a:pPr marL="343080" indent="-342360">
+            <a:pPr marL="343080" indent="-341640">
               <a:lnSpc>
                 <a:spcPct val="100000"/>
               </a:lnSpc>
@@ -8553,6 +10941,7 @@
                   <a:srgbClr val="404040"/>
                 </a:solidFill>
                 <a:latin typeface="Trebuchet MS"/>
+                <a:ea typeface="DejaVu Sans"/>
               </a:rPr>
               <a:t>Освен това научихме много нови неща – как да работим с релета и със сензор за тегло.</a:t>
             </a:r>
@@ -8561,7 +10950,7 @@
             </a:endParaRPr>
           </a:p>
           <a:p>
-            <a:pPr marL="343080" indent="-342360">
+            <a:pPr marL="343080" indent="-341640">
               <a:lnSpc>
                 <a:spcPct val="100000"/>
               </a:lnSpc>
@@ -8581,6 +10970,7 @@
                   <a:srgbClr val="404040"/>
                 </a:solidFill>
                 <a:latin typeface="Trebuchet MS"/>
+                <a:ea typeface="DejaVu Sans"/>
               </a:rPr>
               <a:t>През цялото време работихме заедно, заедно решавахме проблемите и минавахме през трудностите.</a:t>
             </a:r>
@@ -8594,10 +10984,14 @@
   </p:cSld>
   <mc:AlternateContent>
     <mc:Choice Requires="p14">
-      <p:transition spd="slow" p14:dur="2000"/>
+      <p:transition spd="slow" p14:dur="2000">
+        <p:wedge/>
+      </p:transition>
     </mc:Choice>
     <mc:Fallback>
-      <p:transition spd="slow"/>
+      <p:transition spd="slow">
+        <p:wedge/>
+      </p:transition>
     </mc:Fallback>
   </mc:AlternateContent>
 </p:sld>
@@ -9279,4 +11673,230 @@
     </a:fmtScheme>
   </a:themeElements>
 </a:theme>
+</file>
+
+<file path=ppt/theme/theme4.xml><?xml version="1.0" encoding="utf-8"?>
+<a:theme xmlns:a="http://schemas.openxmlformats.org/drawingml/2006/main" name="Office Theme">
+  <a:themeElements>
+    <a:clrScheme name="Office">
+      <a:dk1>
+        <a:sysClr val="windowText" lastClr="000000"/>
+      </a:dk1>
+      <a:lt1>
+        <a:sysClr val="window" lastClr="FFFFFF"/>
+      </a:lt1>
+      <a:dk2>
+        <a:srgbClr val="2c3c43"/>
+      </a:dk2>
+      <a:lt2>
+        <a:srgbClr val="ebebeb"/>
+      </a:lt2>
+      <a:accent1>
+        <a:srgbClr val="5fcbef"/>
+      </a:accent1>
+      <a:accent2>
+        <a:srgbClr val="2e83c3"/>
+      </a:accent2>
+      <a:accent3>
+        <a:srgbClr val="42d0a2"/>
+      </a:accent3>
+      <a:accent4>
+        <a:srgbClr val="2e946b"/>
+      </a:accent4>
+      <a:accent5>
+        <a:srgbClr val="42b051"/>
+      </a:accent5>
+      <a:accent6>
+        <a:srgbClr val="96d141"/>
+      </a:accent6>
+      <a:hlink>
+        <a:srgbClr val="3fcde7"/>
+      </a:hlink>
+      <a:folHlink>
+        <a:srgbClr val="a9d3e1"/>
+      </a:folHlink>
+    </a:clrScheme>
+    <a:fontScheme name="Office">
+      <a:majorFont>
+        <a:latin typeface="Arial"/>
+        <a:ea typeface="DejaVu Sans"/>
+        <a:cs typeface="DejaVu Sans"/>
+      </a:majorFont>
+      <a:minorFont>
+        <a:latin typeface="Arial"/>
+        <a:ea typeface="DejaVu Sans"/>
+        <a:cs typeface="DejaVu Sans"/>
+      </a:minorFont>
+    </a:fontScheme>
+    <a:fmtScheme name="Office">
+      <a:fillStyleLst>
+        <a:solidFill>
+          <a:schemeClr val="phClr"/>
+        </a:solidFill>
+        <a:gradFill rotWithShape="1">
+          <a:gsLst>
+            <a:gs pos="0">
+              <a:schemeClr val="phClr">
+                <a:tint val="50000"/>
+                <a:satMod val="300000"/>
+              </a:schemeClr>
+            </a:gs>
+            <a:gs pos="35000">
+              <a:schemeClr val="phClr">
+                <a:tint val="37000"/>
+                <a:satMod val="300000"/>
+              </a:schemeClr>
+            </a:gs>
+            <a:gs pos="100000">
+              <a:schemeClr val="phClr">
+                <a:tint val="15000"/>
+                <a:satMod val="350000"/>
+              </a:schemeClr>
+            </a:gs>
+          </a:gsLst>
+          <a:lin ang="16200000" scaled="1"/>
+        </a:gradFill>
+        <a:gradFill rotWithShape="1">
+          <a:gsLst>
+            <a:gs pos="0">
+              <a:schemeClr val="phClr">
+                <a:shade val="51000"/>
+                <a:satMod val="130000"/>
+              </a:schemeClr>
+            </a:gs>
+            <a:gs pos="80000">
+              <a:schemeClr val="phClr">
+                <a:shade val="93000"/>
+                <a:satMod val="130000"/>
+              </a:schemeClr>
+            </a:gs>
+            <a:gs pos="100000">
+              <a:schemeClr val="phClr">
+                <a:shade val="94000"/>
+                <a:satMod val="135000"/>
+              </a:schemeClr>
+            </a:gs>
+          </a:gsLst>
+          <a:lin ang="16200000" scaled="0"/>
+        </a:gradFill>
+      </a:fillStyleLst>
+      <a:lnStyleLst>
+        <a:ln w="9525" cap="flat" cmpd="sng" algn="ctr">
+          <a:solidFill>
+            <a:schemeClr val="phClr">
+              <a:shade val="95000"/>
+              <a:satMod val="105000"/>
+            </a:schemeClr>
+          </a:solidFill>
+          <a:prstDash val="solid"/>
+          <a:miter/>
+        </a:ln>
+        <a:ln w="25400" cap="flat" cmpd="sng" algn="ctr">
+          <a:solidFill>
+            <a:schemeClr val="phClr"/>
+          </a:solidFill>
+          <a:prstDash val="solid"/>
+          <a:miter/>
+        </a:ln>
+        <a:ln w="38100" cap="flat" cmpd="sng" algn="ctr">
+          <a:solidFill>
+            <a:schemeClr val="phClr"/>
+          </a:solidFill>
+          <a:prstDash val="solid"/>
+          <a:miter/>
+        </a:ln>
+      </a:lnStyleLst>
+      <a:effectStyleLst>
+        <a:effectStyle>
+          <a:effectLst>
+            <a:outerShdw blurRad="40000" dist="20000" dir="5400000" rotWithShape="0">
+              <a:srgbClr val="000000">
+                <a:alpha val="38000"/>
+              </a:srgbClr>
+            </a:outerShdw>
+          </a:effectLst>
+        </a:effectStyle>
+        <a:effectStyle>
+          <a:effectLst>
+            <a:outerShdw blurRad="40000" dist="23000" dir="5400000" rotWithShape="0">
+              <a:srgbClr val="000000">
+                <a:alpha val="35000"/>
+              </a:srgbClr>
+            </a:outerShdw>
+          </a:effectLst>
+        </a:effectStyle>
+        <a:effectStyle>
+          <a:effectLst>
+            <a:outerShdw blurRad="40000" dist="23000" dir="5400000" rotWithShape="0">
+              <a:srgbClr val="000000">
+                <a:alpha val="35000"/>
+              </a:srgbClr>
+            </a:outerShdw>
+          </a:effectLst>
+          <a:scene3d>
+            <a:camera prst="orthographicFront">
+              <a:rot lat="0" lon="0" rev="0"/>
+            </a:camera>
+            <a:lightRig rig="threePt" dir="t">
+              <a:rot lat="0" lon="0" rev="1200000"/>
+            </a:lightRig>
+          </a:scene3d>
+          <a:sp3d>
+            <a:bevelT w="63500" h="25400"/>
+          </a:sp3d>
+        </a:effectStyle>
+      </a:effectStyleLst>
+      <a:bgFillStyleLst>
+        <a:solidFill>
+          <a:schemeClr val="phClr"/>
+        </a:solidFill>
+        <a:gradFill rotWithShape="1">
+          <a:gsLst>
+            <a:gs pos="0">
+              <a:schemeClr val="phClr">
+                <a:tint val="40000"/>
+                <a:satMod val="350000"/>
+              </a:schemeClr>
+            </a:gs>
+            <a:gs pos="40000">
+              <a:schemeClr val="phClr">
+                <a:tint val="45000"/>
+                <a:shade val="99000"/>
+                <a:satMod val="350000"/>
+              </a:schemeClr>
+            </a:gs>
+            <a:gs pos="100000">
+              <a:schemeClr val="phClr">
+                <a:shade val="20000"/>
+                <a:satMod val="255000"/>
+              </a:schemeClr>
+            </a:gs>
+          </a:gsLst>
+          <a:path path="circle">
+            <a:fillToRect l="50000" t="-80000" r="50000" b="180000"/>
+          </a:path>
+        </a:gradFill>
+        <a:gradFill rotWithShape="1">
+          <a:gsLst>
+            <a:gs pos="0">
+              <a:schemeClr val="phClr">
+                <a:tint val="80000"/>
+                <a:satMod val="300000"/>
+              </a:schemeClr>
+            </a:gs>
+            <a:gs pos="100000">
+              <a:schemeClr val="phClr">
+                <a:shade val="30000"/>
+                <a:satMod val="200000"/>
+              </a:schemeClr>
+            </a:gs>
+          </a:gsLst>
+          <a:path path="circle">
+            <a:fillToRect l="50000" t="50000" r="50000" b="50000"/>
+          </a:path>
+        </a:gradFill>
+      </a:bgFillStyleLst>
+    </a:fmtScheme>
+  </a:themeElements>
+</a:theme>
 </file>